--- a/docs/ER-DIAGRAM.pptx
+++ b/docs/ER-DIAGRAM.pptx
@@ -155,10 +155,9 @@
           </a:lstStyle>
           <a:p>
             <a:r>
-              <a:rPr lang="en-US" smtClean="0"/>
+              <a:rPr lang="en-US"/>
               <a:t>Click to edit Master title style</a:t>
             </a:r>
-            <a:endParaRPr lang="en-US"/>
           </a:p>
         </p:txBody>
       </p:sp>
@@ -220,10 +219,9 @@
           </a:lstStyle>
           <a:p>
             <a:r>
-              <a:rPr lang="en-US" smtClean="0"/>
+              <a:rPr lang="en-US"/>
               <a:t>Click to edit Master subtitle style</a:t>
             </a:r>
-            <a:endParaRPr lang="en-US"/>
           </a:p>
         </p:txBody>
       </p:sp>
@@ -244,7 +242,7 @@
           <a:p>
             <a:fld id="{28BE630F-C39C-4DB9-8258-0B48CA067079}" type="datetimeFigureOut">
               <a:rPr lang="en-US" smtClean="0"/>
-              <a:t>11/25/2021</a:t>
+              <a:t>11/26/2021</a:t>
             </a:fld>
             <a:endParaRPr lang="en-US"/>
           </a:p>
@@ -338,10 +336,9 @@
           <a:lstStyle/>
           <a:p>
             <a:r>
-              <a:rPr lang="en-US" smtClean="0"/>
+              <a:rPr lang="en-US"/>
               <a:t>Click to edit Master title style</a:t>
             </a:r>
-            <a:endParaRPr lang="en-US"/>
           </a:p>
         </p:txBody>
       </p:sp>
@@ -362,38 +359,37 @@
           <a:p>
             <a:pPr lvl="0"/>
             <a:r>
-              <a:rPr lang="en-US" smtClean="0"/>
+              <a:rPr lang="en-US"/>
               <a:t>Click to edit Master text styles</a:t>
             </a:r>
           </a:p>
           <a:p>
             <a:pPr lvl="1"/>
             <a:r>
-              <a:rPr lang="en-US" smtClean="0"/>
+              <a:rPr lang="en-US"/>
               <a:t>Second level</a:t>
             </a:r>
           </a:p>
           <a:p>
             <a:pPr lvl="2"/>
             <a:r>
-              <a:rPr lang="en-US" smtClean="0"/>
+              <a:rPr lang="en-US"/>
               <a:t>Third level</a:t>
             </a:r>
           </a:p>
           <a:p>
             <a:pPr lvl="3"/>
             <a:r>
-              <a:rPr lang="en-US" smtClean="0"/>
+              <a:rPr lang="en-US"/>
               <a:t>Fourth level</a:t>
             </a:r>
           </a:p>
           <a:p>
             <a:pPr lvl="4"/>
             <a:r>
-              <a:rPr lang="en-US" smtClean="0"/>
+              <a:rPr lang="en-US"/>
               <a:t>Fifth level</a:t>
             </a:r>
-            <a:endParaRPr lang="en-US"/>
           </a:p>
         </p:txBody>
       </p:sp>
@@ -414,7 +410,7 @@
           <a:p>
             <a:fld id="{28BE630F-C39C-4DB9-8258-0B48CA067079}" type="datetimeFigureOut">
               <a:rPr lang="en-US" smtClean="0"/>
-              <a:t>11/25/2021</a:t>
+              <a:t>11/26/2021</a:t>
             </a:fld>
             <a:endParaRPr lang="en-US"/>
           </a:p>
@@ -513,10 +509,9 @@
           <a:lstStyle/>
           <a:p>
             <a:r>
-              <a:rPr lang="en-US" smtClean="0"/>
+              <a:rPr lang="en-US"/>
               <a:t>Click to edit Master title style</a:t>
             </a:r>
-            <a:endParaRPr lang="en-US"/>
           </a:p>
         </p:txBody>
       </p:sp>
@@ -542,38 +537,37 @@
           <a:p>
             <a:pPr lvl="0"/>
             <a:r>
-              <a:rPr lang="en-US" smtClean="0"/>
+              <a:rPr lang="en-US"/>
               <a:t>Click to edit Master text styles</a:t>
             </a:r>
           </a:p>
           <a:p>
             <a:pPr lvl="1"/>
             <a:r>
-              <a:rPr lang="en-US" smtClean="0"/>
+              <a:rPr lang="en-US"/>
               <a:t>Second level</a:t>
             </a:r>
           </a:p>
           <a:p>
             <a:pPr lvl="2"/>
             <a:r>
-              <a:rPr lang="en-US" smtClean="0"/>
+              <a:rPr lang="en-US"/>
               <a:t>Third level</a:t>
             </a:r>
           </a:p>
           <a:p>
             <a:pPr lvl="3"/>
             <a:r>
-              <a:rPr lang="en-US" smtClean="0"/>
+              <a:rPr lang="en-US"/>
               <a:t>Fourth level</a:t>
             </a:r>
           </a:p>
           <a:p>
             <a:pPr lvl="4"/>
             <a:r>
-              <a:rPr lang="en-US" smtClean="0"/>
+              <a:rPr lang="en-US"/>
               <a:t>Fifth level</a:t>
             </a:r>
-            <a:endParaRPr lang="en-US"/>
           </a:p>
         </p:txBody>
       </p:sp>
@@ -594,7 +588,7 @@
           <a:p>
             <a:fld id="{28BE630F-C39C-4DB9-8258-0B48CA067079}" type="datetimeFigureOut">
               <a:rPr lang="en-US" smtClean="0"/>
-              <a:t>11/25/2021</a:t>
+              <a:t>11/26/2021</a:t>
             </a:fld>
             <a:endParaRPr lang="en-US"/>
           </a:p>
@@ -688,10 +682,9 @@
           <a:lstStyle/>
           <a:p>
             <a:r>
-              <a:rPr lang="en-US" smtClean="0"/>
+              <a:rPr lang="en-US"/>
               <a:t>Click to edit Master title style</a:t>
             </a:r>
-            <a:endParaRPr lang="en-US"/>
           </a:p>
         </p:txBody>
       </p:sp>
@@ -712,38 +705,37 @@
           <a:p>
             <a:pPr lvl="0"/>
             <a:r>
-              <a:rPr lang="en-US" smtClean="0"/>
+              <a:rPr lang="en-US"/>
               <a:t>Click to edit Master text styles</a:t>
             </a:r>
           </a:p>
           <a:p>
             <a:pPr lvl="1"/>
             <a:r>
-              <a:rPr lang="en-US" smtClean="0"/>
+              <a:rPr lang="en-US"/>
               <a:t>Second level</a:t>
             </a:r>
           </a:p>
           <a:p>
             <a:pPr lvl="2"/>
             <a:r>
-              <a:rPr lang="en-US" smtClean="0"/>
+              <a:rPr lang="en-US"/>
               <a:t>Third level</a:t>
             </a:r>
           </a:p>
           <a:p>
             <a:pPr lvl="3"/>
             <a:r>
-              <a:rPr lang="en-US" smtClean="0"/>
+              <a:rPr lang="en-US"/>
               <a:t>Fourth level</a:t>
             </a:r>
           </a:p>
           <a:p>
             <a:pPr lvl="4"/>
             <a:r>
-              <a:rPr lang="en-US" smtClean="0"/>
+              <a:rPr lang="en-US"/>
               <a:t>Fifth level</a:t>
             </a:r>
-            <a:endParaRPr lang="en-US"/>
           </a:p>
         </p:txBody>
       </p:sp>
@@ -764,7 +756,7 @@
           <a:p>
             <a:fld id="{28BE630F-C39C-4DB9-8258-0B48CA067079}" type="datetimeFigureOut">
               <a:rPr lang="en-US" smtClean="0"/>
-              <a:t>11/25/2021</a:t>
+              <a:t>11/26/2021</a:t>
             </a:fld>
             <a:endParaRPr lang="en-US"/>
           </a:p>
@@ -867,10 +859,9 @@
           </a:lstStyle>
           <a:p>
             <a:r>
-              <a:rPr lang="en-US" smtClean="0"/>
+              <a:rPr lang="en-US"/>
               <a:t>Click to edit Master title style</a:t>
             </a:r>
-            <a:endParaRPr lang="en-US"/>
           </a:p>
         </p:txBody>
       </p:sp>
@@ -987,7 +978,7 @@
           <a:p>
             <a:pPr lvl="0"/>
             <a:r>
-              <a:rPr lang="en-US" smtClean="0"/>
+              <a:rPr lang="en-US"/>
               <a:t>Click to edit Master text styles</a:t>
             </a:r>
           </a:p>
@@ -1010,7 +1001,7 @@
           <a:p>
             <a:fld id="{28BE630F-C39C-4DB9-8258-0B48CA067079}" type="datetimeFigureOut">
               <a:rPr lang="en-US" smtClean="0"/>
-              <a:t>11/25/2021</a:t>
+              <a:t>11/26/2021</a:t>
             </a:fld>
             <a:endParaRPr lang="en-US"/>
           </a:p>
@@ -1104,10 +1095,9 @@
           <a:lstStyle/>
           <a:p>
             <a:r>
-              <a:rPr lang="en-US" smtClean="0"/>
+              <a:rPr lang="en-US"/>
               <a:t>Click to edit Master title style</a:t>
             </a:r>
-            <a:endParaRPr lang="en-US"/>
           </a:p>
         </p:txBody>
       </p:sp>
@@ -1133,38 +1123,37 @@
           <a:p>
             <a:pPr lvl="0"/>
             <a:r>
-              <a:rPr lang="en-US" smtClean="0"/>
+              <a:rPr lang="en-US"/>
               <a:t>Click to edit Master text styles</a:t>
             </a:r>
           </a:p>
           <a:p>
             <a:pPr lvl="1"/>
             <a:r>
-              <a:rPr lang="en-US" smtClean="0"/>
+              <a:rPr lang="en-US"/>
               <a:t>Second level</a:t>
             </a:r>
           </a:p>
           <a:p>
             <a:pPr lvl="2"/>
             <a:r>
-              <a:rPr lang="en-US" smtClean="0"/>
+              <a:rPr lang="en-US"/>
               <a:t>Third level</a:t>
             </a:r>
           </a:p>
           <a:p>
             <a:pPr lvl="3"/>
             <a:r>
-              <a:rPr lang="en-US" smtClean="0"/>
+              <a:rPr lang="en-US"/>
               <a:t>Fourth level</a:t>
             </a:r>
           </a:p>
           <a:p>
             <a:pPr lvl="4"/>
             <a:r>
-              <a:rPr lang="en-US" smtClean="0"/>
+              <a:rPr lang="en-US"/>
               <a:t>Fifth level</a:t>
             </a:r>
-            <a:endParaRPr lang="en-US"/>
           </a:p>
         </p:txBody>
       </p:sp>
@@ -1190,38 +1179,37 @@
           <a:p>
             <a:pPr lvl="0"/>
             <a:r>
-              <a:rPr lang="en-US" smtClean="0"/>
+              <a:rPr lang="en-US"/>
               <a:t>Click to edit Master text styles</a:t>
             </a:r>
           </a:p>
           <a:p>
             <a:pPr lvl="1"/>
             <a:r>
-              <a:rPr lang="en-US" smtClean="0"/>
+              <a:rPr lang="en-US"/>
               <a:t>Second level</a:t>
             </a:r>
           </a:p>
           <a:p>
             <a:pPr lvl="2"/>
             <a:r>
-              <a:rPr lang="en-US" smtClean="0"/>
+              <a:rPr lang="en-US"/>
               <a:t>Third level</a:t>
             </a:r>
           </a:p>
           <a:p>
             <a:pPr lvl="3"/>
             <a:r>
-              <a:rPr lang="en-US" smtClean="0"/>
+              <a:rPr lang="en-US"/>
               <a:t>Fourth level</a:t>
             </a:r>
           </a:p>
           <a:p>
             <a:pPr lvl="4"/>
             <a:r>
-              <a:rPr lang="en-US" smtClean="0"/>
+              <a:rPr lang="en-US"/>
               <a:t>Fifth level</a:t>
             </a:r>
-            <a:endParaRPr lang="en-US"/>
           </a:p>
         </p:txBody>
       </p:sp>
@@ -1242,7 +1230,7 @@
           <a:p>
             <a:fld id="{28BE630F-C39C-4DB9-8258-0B48CA067079}" type="datetimeFigureOut">
               <a:rPr lang="en-US" smtClean="0"/>
-              <a:t>11/25/2021</a:t>
+              <a:t>11/26/2021</a:t>
             </a:fld>
             <a:endParaRPr lang="en-US"/>
           </a:p>
@@ -1341,10 +1329,9 @@
           <a:lstStyle/>
           <a:p>
             <a:r>
-              <a:rPr lang="en-US" smtClean="0"/>
+              <a:rPr lang="en-US"/>
               <a:t>Click to edit Master title style</a:t>
             </a:r>
-            <a:endParaRPr lang="en-US"/>
           </a:p>
         </p:txBody>
       </p:sp>
@@ -1407,7 +1394,7 @@
           <a:p>
             <a:pPr lvl="0"/>
             <a:r>
-              <a:rPr lang="en-US" smtClean="0"/>
+              <a:rPr lang="en-US"/>
               <a:t>Click to edit Master text styles</a:t>
             </a:r>
           </a:p>
@@ -1435,38 +1422,37 @@
           <a:p>
             <a:pPr lvl="0"/>
             <a:r>
-              <a:rPr lang="en-US" smtClean="0"/>
+              <a:rPr lang="en-US"/>
               <a:t>Click to edit Master text styles</a:t>
             </a:r>
           </a:p>
           <a:p>
             <a:pPr lvl="1"/>
             <a:r>
-              <a:rPr lang="en-US" smtClean="0"/>
+              <a:rPr lang="en-US"/>
               <a:t>Second level</a:t>
             </a:r>
           </a:p>
           <a:p>
             <a:pPr lvl="2"/>
             <a:r>
-              <a:rPr lang="en-US" smtClean="0"/>
+              <a:rPr lang="en-US"/>
               <a:t>Third level</a:t>
             </a:r>
           </a:p>
           <a:p>
             <a:pPr lvl="3"/>
             <a:r>
-              <a:rPr lang="en-US" smtClean="0"/>
+              <a:rPr lang="en-US"/>
               <a:t>Fourth level</a:t>
             </a:r>
           </a:p>
           <a:p>
             <a:pPr lvl="4"/>
             <a:r>
-              <a:rPr lang="en-US" smtClean="0"/>
+              <a:rPr lang="en-US"/>
               <a:t>Fifth level</a:t>
             </a:r>
-            <a:endParaRPr lang="en-US"/>
           </a:p>
         </p:txBody>
       </p:sp>
@@ -1529,7 +1515,7 @@
           <a:p>
             <a:pPr lvl="0"/>
             <a:r>
-              <a:rPr lang="en-US" smtClean="0"/>
+              <a:rPr lang="en-US"/>
               <a:t>Click to edit Master text styles</a:t>
             </a:r>
           </a:p>
@@ -1557,38 +1543,37 @@
           <a:p>
             <a:pPr lvl="0"/>
             <a:r>
-              <a:rPr lang="en-US" smtClean="0"/>
+              <a:rPr lang="en-US"/>
               <a:t>Click to edit Master text styles</a:t>
             </a:r>
           </a:p>
           <a:p>
             <a:pPr lvl="1"/>
             <a:r>
-              <a:rPr lang="en-US" smtClean="0"/>
+              <a:rPr lang="en-US"/>
               <a:t>Second level</a:t>
             </a:r>
           </a:p>
           <a:p>
             <a:pPr lvl="2"/>
             <a:r>
-              <a:rPr lang="en-US" smtClean="0"/>
+              <a:rPr lang="en-US"/>
               <a:t>Third level</a:t>
             </a:r>
           </a:p>
           <a:p>
             <a:pPr lvl="3"/>
             <a:r>
-              <a:rPr lang="en-US" smtClean="0"/>
+              <a:rPr lang="en-US"/>
               <a:t>Fourth level</a:t>
             </a:r>
           </a:p>
           <a:p>
             <a:pPr lvl="4"/>
             <a:r>
-              <a:rPr lang="en-US" smtClean="0"/>
+              <a:rPr lang="en-US"/>
               <a:t>Fifth level</a:t>
             </a:r>
-            <a:endParaRPr lang="en-US"/>
           </a:p>
         </p:txBody>
       </p:sp>
@@ -1609,7 +1594,7 @@
           <a:p>
             <a:fld id="{28BE630F-C39C-4DB9-8258-0B48CA067079}" type="datetimeFigureOut">
               <a:rPr lang="en-US" smtClean="0"/>
-              <a:t>11/25/2021</a:t>
+              <a:t>11/26/2021</a:t>
             </a:fld>
             <a:endParaRPr lang="en-US"/>
           </a:p>
@@ -1703,10 +1688,9 @@
           <a:lstStyle/>
           <a:p>
             <a:r>
-              <a:rPr lang="en-US" smtClean="0"/>
+              <a:rPr lang="en-US"/>
               <a:t>Click to edit Master title style</a:t>
             </a:r>
-            <a:endParaRPr lang="en-US"/>
           </a:p>
         </p:txBody>
       </p:sp>
@@ -1727,7 +1711,7 @@
           <a:p>
             <a:fld id="{28BE630F-C39C-4DB9-8258-0B48CA067079}" type="datetimeFigureOut">
               <a:rPr lang="en-US" smtClean="0"/>
-              <a:t>11/25/2021</a:t>
+              <a:t>11/26/2021</a:t>
             </a:fld>
             <a:endParaRPr lang="en-US"/>
           </a:p>
@@ -1822,7 +1806,7 @@
           <a:p>
             <a:fld id="{28BE630F-C39C-4DB9-8258-0B48CA067079}" type="datetimeFigureOut">
               <a:rPr lang="en-US" smtClean="0"/>
-              <a:t>11/25/2021</a:t>
+              <a:t>11/26/2021</a:t>
             </a:fld>
             <a:endParaRPr lang="en-US"/>
           </a:p>
@@ -1925,10 +1909,9 @@
           </a:lstStyle>
           <a:p>
             <a:r>
-              <a:rPr lang="en-US" smtClean="0"/>
+              <a:rPr lang="en-US"/>
               <a:t>Click to edit Master title style</a:t>
             </a:r>
-            <a:endParaRPr lang="en-US"/>
           </a:p>
         </p:txBody>
       </p:sp>
@@ -1982,38 +1965,37 @@
           <a:p>
             <a:pPr lvl="0"/>
             <a:r>
-              <a:rPr lang="en-US" smtClean="0"/>
+              <a:rPr lang="en-US"/>
               <a:t>Click to edit Master text styles</a:t>
             </a:r>
           </a:p>
           <a:p>
             <a:pPr lvl="1"/>
             <a:r>
-              <a:rPr lang="en-US" smtClean="0"/>
+              <a:rPr lang="en-US"/>
               <a:t>Second level</a:t>
             </a:r>
           </a:p>
           <a:p>
             <a:pPr lvl="2"/>
             <a:r>
-              <a:rPr lang="en-US" smtClean="0"/>
+              <a:rPr lang="en-US"/>
               <a:t>Third level</a:t>
             </a:r>
           </a:p>
           <a:p>
             <a:pPr lvl="3"/>
             <a:r>
-              <a:rPr lang="en-US" smtClean="0"/>
+              <a:rPr lang="en-US"/>
               <a:t>Fourth level</a:t>
             </a:r>
           </a:p>
           <a:p>
             <a:pPr lvl="4"/>
             <a:r>
-              <a:rPr lang="en-US" smtClean="0"/>
+              <a:rPr lang="en-US"/>
               <a:t>Fifth level</a:t>
             </a:r>
-            <a:endParaRPr lang="en-US"/>
           </a:p>
         </p:txBody>
       </p:sp>
@@ -2076,7 +2058,7 @@
           <a:p>
             <a:pPr lvl="0"/>
             <a:r>
-              <a:rPr lang="en-US" smtClean="0"/>
+              <a:rPr lang="en-US"/>
               <a:t>Click to edit Master text styles</a:t>
             </a:r>
           </a:p>
@@ -2099,7 +2081,7 @@
           <a:p>
             <a:fld id="{28BE630F-C39C-4DB9-8258-0B48CA067079}" type="datetimeFigureOut">
               <a:rPr lang="en-US" smtClean="0"/>
-              <a:t>11/25/2021</a:t>
+              <a:t>11/26/2021</a:t>
             </a:fld>
             <a:endParaRPr lang="en-US"/>
           </a:p>
@@ -2202,10 +2184,9 @@
           </a:lstStyle>
           <a:p>
             <a:r>
-              <a:rPr lang="en-US" smtClean="0"/>
+              <a:rPr lang="en-US"/>
               <a:t>Click to edit Master title style</a:t>
             </a:r>
-            <a:endParaRPr lang="en-US"/>
           </a:p>
         </p:txBody>
       </p:sp>
@@ -2329,7 +2310,7 @@
           <a:p>
             <a:pPr lvl="0"/>
             <a:r>
-              <a:rPr lang="en-US" smtClean="0"/>
+              <a:rPr lang="en-US"/>
               <a:t>Click to edit Master text styles</a:t>
             </a:r>
           </a:p>
@@ -2352,7 +2333,7 @@
           <a:p>
             <a:fld id="{28BE630F-C39C-4DB9-8258-0B48CA067079}" type="datetimeFigureOut">
               <a:rPr lang="en-US" smtClean="0"/>
-              <a:t>11/25/2021</a:t>
+              <a:t>11/26/2021</a:t>
             </a:fld>
             <a:endParaRPr lang="en-US"/>
           </a:p>
@@ -2461,10 +2442,9 @@
           <a:lstStyle/>
           <a:p>
             <a:r>
-              <a:rPr lang="en-US" smtClean="0"/>
+              <a:rPr lang="en-US"/>
               <a:t>Click to edit Master title style</a:t>
             </a:r>
-            <a:endParaRPr lang="en-US"/>
           </a:p>
         </p:txBody>
       </p:sp>
@@ -2495,38 +2475,37 @@
           <a:p>
             <a:pPr lvl="0"/>
             <a:r>
-              <a:rPr lang="en-US" smtClean="0"/>
+              <a:rPr lang="en-US"/>
               <a:t>Click to edit Master text styles</a:t>
             </a:r>
           </a:p>
           <a:p>
             <a:pPr lvl="1"/>
             <a:r>
-              <a:rPr lang="en-US" smtClean="0"/>
+              <a:rPr lang="en-US"/>
               <a:t>Second level</a:t>
             </a:r>
           </a:p>
           <a:p>
             <a:pPr lvl="2"/>
             <a:r>
-              <a:rPr lang="en-US" smtClean="0"/>
+              <a:rPr lang="en-US"/>
               <a:t>Third level</a:t>
             </a:r>
           </a:p>
           <a:p>
             <a:pPr lvl="3"/>
             <a:r>
-              <a:rPr lang="en-US" smtClean="0"/>
+              <a:rPr lang="en-US"/>
               <a:t>Fourth level</a:t>
             </a:r>
           </a:p>
           <a:p>
             <a:pPr lvl="4"/>
             <a:r>
-              <a:rPr lang="en-US" smtClean="0"/>
+              <a:rPr lang="en-US"/>
               <a:t>Fifth level</a:t>
             </a:r>
-            <a:endParaRPr lang="en-US"/>
           </a:p>
         </p:txBody>
       </p:sp>
@@ -2565,7 +2544,7 @@
           <a:p>
             <a:fld id="{28BE630F-C39C-4DB9-8258-0B48CA067079}" type="datetimeFigureOut">
               <a:rPr lang="en-US" smtClean="0"/>
-              <a:t>11/25/2021</a:t>
+              <a:t>11/26/2021</a:t>
             </a:fld>
             <a:endParaRPr lang="en-US"/>
           </a:p>
@@ -3004,12 +2983,8 @@
           </a:lstStyle>
           <a:p>
             <a:r>
-              <a:rPr lang="en-US" dirty="0" smtClean="0"/>
-              <a:t>ER DIAGRAMM </a:t>
-            </a:r>
-            <a:r>
               <a:rPr lang="en-US" dirty="0"/>
-              <a:t>TEMPLATE</a:t>
+              <a:t>ER DIAGRAMM TEMPLATE</a:t>
             </a:r>
           </a:p>
         </p:txBody>
@@ -3229,54 +3204,612 @@
           <a:chExt cx="0" cy="0"/>
         </a:xfrm>
       </p:grpSpPr>
-      <p:sp>
-        <p:nvSpPr>
-          <p:cNvPr id="51" name="Rectangle 50"/>
-          <p:cNvSpPr/>
+      <p:graphicFrame>
+        <p:nvGraphicFramePr>
+          <p:cNvPr id="2" name="Table 1">
+            <a:extLst>
+              <a:ext uri="{FF2B5EF4-FFF2-40B4-BE49-F238E27FC236}">
+                <a16:creationId xmlns:a16="http://schemas.microsoft.com/office/drawing/2014/main" id="{DF77F8EE-AA22-42F5-92AE-0B4D85CC430C}"/>
+              </a:ext>
+            </a:extLst>
+          </p:cNvPr>
+          <p:cNvGraphicFramePr>
+            <a:graphicFrameLocks noGrp="1"/>
+          </p:cNvGraphicFramePr>
+          <p:nvPr>
+            <p:extLst>
+              <p:ext uri="{D42A27DB-BD31-4B8C-83A1-F6EECF244321}">
+                <p14:modId xmlns:p14="http://schemas.microsoft.com/office/powerpoint/2010/main" val="3122522245"/>
+              </p:ext>
+            </p:extLst>
+          </p:nvPr>
+        </p:nvGraphicFramePr>
+        <p:xfrm>
+          <a:off x="1480670" y="800349"/>
+          <a:ext cx="2741706" cy="3291840"/>
+        </p:xfrm>
+        <a:graphic>
+          <a:graphicData uri="http://schemas.openxmlformats.org/drawingml/2006/table">
+            <a:tbl>
+              <a:tblPr firstRow="1" bandRow="1">
+                <a:tableStyleId>{5C22544A-7EE6-4342-B048-85BDC9FD1C3A}</a:tableStyleId>
+              </a:tblPr>
+              <a:tblGrid>
+                <a:gridCol w="2741706">
+                  <a:extLst>
+                    <a:ext uri="{9D8B030D-6E8A-4147-A177-3AD203B41FA5}">
+                      <a16:colId xmlns:a16="http://schemas.microsoft.com/office/drawing/2014/main" val="2093408568"/>
+                    </a:ext>
+                  </a:extLst>
+                </a:gridCol>
+              </a:tblGrid>
+              <a:tr h="251731">
+                <a:tc>
+                  <a:txBody>
+                    <a:bodyPr/>
+                    <a:lstStyle/>
+                    <a:p>
+                      <a:pPr algn="ctr"/>
+                      <a:r>
+                        <a:rPr lang="en-US" dirty="0"/>
+                        <a:t>Users</a:t>
+                      </a:r>
+                    </a:p>
+                  </a:txBody>
+                  <a:tcPr/>
+                </a:tc>
+                <a:extLst>
+                  <a:ext uri="{0D108BD9-81ED-4DB2-BD59-A6C34878D82A}">
+                    <a16:rowId xmlns:a16="http://schemas.microsoft.com/office/drawing/2014/main" val="3569849909"/>
+                  </a:ext>
+                </a:extLst>
+              </a:tr>
+              <a:tr h="251731">
+                <a:tc>
+                  <a:txBody>
+                    <a:bodyPr/>
+                    <a:lstStyle/>
+                    <a:p>
+                      <a:r>
+                        <a:rPr lang="en-US" dirty="0" err="1"/>
+                        <a:t>Users_id</a:t>
+                      </a:r>
+                      <a:r>
+                        <a:rPr lang="en-US" dirty="0"/>
+                        <a:t>: INT</a:t>
+                      </a:r>
+                    </a:p>
+                  </a:txBody>
+                  <a:tcPr/>
+                </a:tc>
+                <a:extLst>
+                  <a:ext uri="{0D108BD9-81ED-4DB2-BD59-A6C34878D82A}">
+                    <a16:rowId xmlns:a16="http://schemas.microsoft.com/office/drawing/2014/main" val="270703987"/>
+                  </a:ext>
+                </a:extLst>
+              </a:tr>
+              <a:tr h="251731">
+                <a:tc>
+                  <a:txBody>
+                    <a:bodyPr/>
+                    <a:lstStyle/>
+                    <a:p>
+                      <a:r>
+                        <a:rPr lang="en-US" dirty="0" err="1"/>
+                        <a:t>First_name:stirng</a:t>
+                      </a:r>
+                      <a:endParaRPr lang="en-US" dirty="0"/>
+                    </a:p>
+                  </a:txBody>
+                  <a:tcPr/>
+                </a:tc>
+                <a:extLst>
+                  <a:ext uri="{0D108BD9-81ED-4DB2-BD59-A6C34878D82A}">
+                    <a16:rowId xmlns:a16="http://schemas.microsoft.com/office/drawing/2014/main" val="869190841"/>
+                  </a:ext>
+                </a:extLst>
+              </a:tr>
+              <a:tr h="251731">
+                <a:tc>
+                  <a:txBody>
+                    <a:bodyPr/>
+                    <a:lstStyle/>
+                    <a:p>
+                      <a:r>
+                        <a:rPr lang="en-US" dirty="0" err="1"/>
+                        <a:t>Last_name</a:t>
+                      </a:r>
+                      <a:r>
+                        <a:rPr lang="en-US" dirty="0"/>
+                        <a:t>: string</a:t>
+                      </a:r>
+                    </a:p>
+                  </a:txBody>
+                  <a:tcPr/>
+                </a:tc>
+                <a:extLst>
+                  <a:ext uri="{0D108BD9-81ED-4DB2-BD59-A6C34878D82A}">
+                    <a16:rowId xmlns:a16="http://schemas.microsoft.com/office/drawing/2014/main" val="1573799995"/>
+                  </a:ext>
+                </a:extLst>
+              </a:tr>
+              <a:tr h="251731">
+                <a:tc>
+                  <a:txBody>
+                    <a:bodyPr/>
+                    <a:lstStyle/>
+                    <a:p>
+                      <a:r>
+                        <a:rPr lang="en-US" dirty="0" err="1"/>
+                        <a:t>date_of_birth</a:t>
+                      </a:r>
+                      <a:r>
+                        <a:rPr lang="en-US" dirty="0"/>
+                        <a:t>: Date</a:t>
+                      </a:r>
+                    </a:p>
+                  </a:txBody>
+                  <a:tcPr/>
+                </a:tc>
+                <a:extLst>
+                  <a:ext uri="{0D108BD9-81ED-4DB2-BD59-A6C34878D82A}">
+                    <a16:rowId xmlns:a16="http://schemas.microsoft.com/office/drawing/2014/main" val="3892676978"/>
+                  </a:ext>
+                </a:extLst>
+              </a:tr>
+              <a:tr h="251731">
+                <a:tc>
+                  <a:txBody>
+                    <a:bodyPr/>
+                    <a:lstStyle/>
+                    <a:p>
+                      <a:r>
+                        <a:rPr lang="en-US" dirty="0"/>
+                        <a:t>Gender: string</a:t>
+                      </a:r>
+                    </a:p>
+                  </a:txBody>
+                  <a:tcPr/>
+                </a:tc>
+                <a:extLst>
+                  <a:ext uri="{0D108BD9-81ED-4DB2-BD59-A6C34878D82A}">
+                    <a16:rowId xmlns:a16="http://schemas.microsoft.com/office/drawing/2014/main" val="3958100976"/>
+                  </a:ext>
+                </a:extLst>
+              </a:tr>
+              <a:tr h="251731">
+                <a:tc>
+                  <a:txBody>
+                    <a:bodyPr/>
+                    <a:lstStyle/>
+                    <a:p>
+                      <a:r>
+                        <a:rPr lang="en-US" dirty="0"/>
+                        <a:t>Image: text</a:t>
+                      </a:r>
+                    </a:p>
+                  </a:txBody>
+                  <a:tcPr/>
+                </a:tc>
+                <a:extLst>
+                  <a:ext uri="{0D108BD9-81ED-4DB2-BD59-A6C34878D82A}">
+                    <a16:rowId xmlns:a16="http://schemas.microsoft.com/office/drawing/2014/main" val="652212420"/>
+                  </a:ext>
+                </a:extLst>
+              </a:tr>
+              <a:tr h="251731">
+                <a:tc>
+                  <a:txBody>
+                    <a:bodyPr/>
+                    <a:lstStyle/>
+                    <a:p>
+                      <a:r>
+                        <a:rPr lang="en-US" dirty="0"/>
+                        <a:t>Email: string</a:t>
+                      </a:r>
+                    </a:p>
+                  </a:txBody>
+                  <a:tcPr/>
+                </a:tc>
+                <a:extLst>
+                  <a:ext uri="{0D108BD9-81ED-4DB2-BD59-A6C34878D82A}">
+                    <a16:rowId xmlns:a16="http://schemas.microsoft.com/office/drawing/2014/main" val="3880365565"/>
+                  </a:ext>
+                </a:extLst>
+              </a:tr>
+              <a:tr h="251731">
+                <a:tc>
+                  <a:txBody>
+                    <a:bodyPr/>
+                    <a:lstStyle/>
+                    <a:p>
+                      <a:r>
+                        <a:rPr lang="en-US" dirty="0"/>
+                        <a:t>Password: text</a:t>
+                      </a:r>
+                    </a:p>
+                  </a:txBody>
+                  <a:tcPr/>
+                </a:tc>
+                <a:extLst>
+                  <a:ext uri="{0D108BD9-81ED-4DB2-BD59-A6C34878D82A}">
+                    <a16:rowId xmlns:a16="http://schemas.microsoft.com/office/drawing/2014/main" val="2640780047"/>
+                  </a:ext>
+                </a:extLst>
+              </a:tr>
+            </a:tbl>
+          </a:graphicData>
+        </a:graphic>
+      </p:graphicFrame>
+      <p:graphicFrame>
+        <p:nvGraphicFramePr>
+          <p:cNvPr id="115" name="Table 114">
+            <a:extLst>
+              <a:ext uri="{FF2B5EF4-FFF2-40B4-BE49-F238E27FC236}">
+                <a16:creationId xmlns:a16="http://schemas.microsoft.com/office/drawing/2014/main" id="{0846DEE2-6BAE-40D0-B60C-E7314712AD80}"/>
+              </a:ext>
+            </a:extLst>
+          </p:cNvPr>
+          <p:cNvGraphicFramePr>
+            <a:graphicFrameLocks noGrp="1"/>
+          </p:cNvGraphicFramePr>
+          <p:nvPr>
+            <p:extLst>
+              <p:ext uri="{D42A27DB-BD31-4B8C-83A1-F6EECF244321}">
+                <p14:modId xmlns:p14="http://schemas.microsoft.com/office/powerpoint/2010/main" val="2480202304"/>
+              </p:ext>
+            </p:extLst>
+          </p:nvPr>
+        </p:nvGraphicFramePr>
+        <p:xfrm>
+          <a:off x="6536764" y="554019"/>
+          <a:ext cx="2741706" cy="4754880"/>
+        </p:xfrm>
+        <a:graphic>
+          <a:graphicData uri="http://schemas.openxmlformats.org/drawingml/2006/table">
+            <a:tbl>
+              <a:tblPr firstRow="1" bandRow="1">
+                <a:tableStyleId>{5C22544A-7EE6-4342-B048-85BDC9FD1C3A}</a:tableStyleId>
+              </a:tblPr>
+              <a:tblGrid>
+                <a:gridCol w="2741706">
+                  <a:extLst>
+                    <a:ext uri="{9D8B030D-6E8A-4147-A177-3AD203B41FA5}">
+                      <a16:colId xmlns:a16="http://schemas.microsoft.com/office/drawing/2014/main" val="2093408568"/>
+                    </a:ext>
+                  </a:extLst>
+                </a:gridCol>
+              </a:tblGrid>
+              <a:tr h="232023">
+                <a:tc>
+                  <a:txBody>
+                    <a:bodyPr/>
+                    <a:lstStyle/>
+                    <a:p>
+                      <a:pPr algn="ctr"/>
+                      <a:r>
+                        <a:rPr lang="en-US" dirty="0"/>
+                        <a:t>Events</a:t>
+                      </a:r>
+                    </a:p>
+                  </a:txBody>
+                  <a:tcPr/>
+                </a:tc>
+                <a:extLst>
+                  <a:ext uri="{0D108BD9-81ED-4DB2-BD59-A6C34878D82A}">
+                    <a16:rowId xmlns:a16="http://schemas.microsoft.com/office/drawing/2014/main" val="3569849909"/>
+                  </a:ext>
+                </a:extLst>
+              </a:tr>
+              <a:tr h="232023">
+                <a:tc>
+                  <a:txBody>
+                    <a:bodyPr/>
+                    <a:lstStyle/>
+                    <a:p>
+                      <a:r>
+                        <a:rPr lang="en-US" dirty="0" err="1"/>
+                        <a:t>events_id</a:t>
+                      </a:r>
+                      <a:r>
+                        <a:rPr lang="en-US" dirty="0"/>
+                        <a:t>: INT</a:t>
+                      </a:r>
+                    </a:p>
+                  </a:txBody>
+                  <a:tcPr/>
+                </a:tc>
+                <a:extLst>
+                  <a:ext uri="{0D108BD9-81ED-4DB2-BD59-A6C34878D82A}">
+                    <a16:rowId xmlns:a16="http://schemas.microsoft.com/office/drawing/2014/main" val="270703987"/>
+                  </a:ext>
+                </a:extLst>
+              </a:tr>
+              <a:tr h="232023">
+                <a:tc>
+                  <a:txBody>
+                    <a:bodyPr/>
+                    <a:lstStyle/>
+                    <a:p>
+                      <a:r>
+                        <a:rPr lang="en-US" dirty="0" err="1"/>
+                        <a:t>Users_id</a:t>
+                      </a:r>
+                      <a:r>
+                        <a:rPr lang="en-US" dirty="0"/>
+                        <a:t>: INT</a:t>
+                      </a:r>
+                    </a:p>
+                  </a:txBody>
+                  <a:tcPr/>
+                </a:tc>
+                <a:extLst>
+                  <a:ext uri="{0D108BD9-81ED-4DB2-BD59-A6C34878D82A}">
+                    <a16:rowId xmlns:a16="http://schemas.microsoft.com/office/drawing/2014/main" val="869190841"/>
+                  </a:ext>
+                </a:extLst>
+              </a:tr>
+              <a:tr h="232023">
+                <a:tc>
+                  <a:txBody>
+                    <a:bodyPr/>
+                    <a:lstStyle/>
+                    <a:p>
+                      <a:r>
+                        <a:rPr lang="en-US" dirty="0"/>
+                        <a:t>Title: string</a:t>
+                      </a:r>
+                    </a:p>
+                  </a:txBody>
+                  <a:tcPr/>
+                </a:tc>
+                <a:extLst>
+                  <a:ext uri="{0D108BD9-81ED-4DB2-BD59-A6C34878D82A}">
+                    <a16:rowId xmlns:a16="http://schemas.microsoft.com/office/drawing/2014/main" val="1573799995"/>
+                  </a:ext>
+                </a:extLst>
+              </a:tr>
+              <a:tr h="232023">
+                <a:tc>
+                  <a:txBody>
+                    <a:bodyPr/>
+                    <a:lstStyle/>
+                    <a:p>
+                      <a:pPr marL="0" marR="0" lvl="0" indent="0" algn="l" defTabSz="914400" rtl="0" eaLnBrk="1" fontAlgn="auto" latinLnBrk="0" hangingPunct="1">
+                        <a:lnSpc>
+                          <a:spcPct val="100000"/>
+                        </a:lnSpc>
+                        <a:spcBef>
+                          <a:spcPts val="0"/>
+                        </a:spcBef>
+                        <a:spcAft>
+                          <a:spcPts val="0"/>
+                        </a:spcAft>
+                        <a:buClrTx/>
+                        <a:buSzTx/>
+                        <a:buFontTx/>
+                        <a:buNone/>
+                        <a:tabLst/>
+                        <a:defRPr/>
+                      </a:pPr>
+                      <a:r>
+                        <a:rPr lang="en-US" dirty="0" err="1"/>
+                        <a:t>Category_name</a:t>
+                      </a:r>
+                      <a:r>
+                        <a:rPr lang="en-US" dirty="0"/>
+                        <a:t>: string</a:t>
+                      </a:r>
+                    </a:p>
+                  </a:txBody>
+                  <a:tcPr/>
+                </a:tc>
+                <a:extLst>
+                  <a:ext uri="{0D108BD9-81ED-4DB2-BD59-A6C34878D82A}">
+                    <a16:rowId xmlns:a16="http://schemas.microsoft.com/office/drawing/2014/main" val="2867779754"/>
+                  </a:ext>
+                </a:extLst>
+              </a:tr>
+              <a:tr h="232023">
+                <a:tc>
+                  <a:txBody>
+                    <a:bodyPr/>
+                    <a:lstStyle/>
+                    <a:p>
+                      <a:r>
+                        <a:rPr lang="en-US" dirty="0" err="1"/>
+                        <a:t>Start_at</a:t>
+                      </a:r>
+                      <a:r>
+                        <a:rPr lang="en-US" dirty="0"/>
+                        <a:t>: string</a:t>
+                      </a:r>
+                    </a:p>
+                  </a:txBody>
+                  <a:tcPr/>
+                </a:tc>
+                <a:extLst>
+                  <a:ext uri="{0D108BD9-81ED-4DB2-BD59-A6C34878D82A}">
+                    <a16:rowId xmlns:a16="http://schemas.microsoft.com/office/drawing/2014/main" val="3892676978"/>
+                  </a:ext>
+                </a:extLst>
+              </a:tr>
+              <a:tr h="232023">
+                <a:tc>
+                  <a:txBody>
+                    <a:bodyPr/>
+                    <a:lstStyle/>
+                    <a:p>
+                      <a:r>
+                        <a:rPr lang="en-US" dirty="0" err="1"/>
+                        <a:t>Start_date</a:t>
+                      </a:r>
+                      <a:r>
+                        <a:rPr lang="en-US" dirty="0"/>
+                        <a:t>: date</a:t>
+                      </a:r>
+                    </a:p>
+                  </a:txBody>
+                  <a:tcPr/>
+                </a:tc>
+                <a:extLst>
+                  <a:ext uri="{0D108BD9-81ED-4DB2-BD59-A6C34878D82A}">
+                    <a16:rowId xmlns:a16="http://schemas.microsoft.com/office/drawing/2014/main" val="3958100976"/>
+                  </a:ext>
+                </a:extLst>
+              </a:tr>
+              <a:tr h="232023">
+                <a:tc>
+                  <a:txBody>
+                    <a:bodyPr/>
+                    <a:lstStyle/>
+                    <a:p>
+                      <a:r>
+                        <a:rPr lang="en-US" dirty="0" err="1"/>
+                        <a:t>End_at</a:t>
+                      </a:r>
+                      <a:r>
+                        <a:rPr lang="en-US" dirty="0"/>
+                        <a:t>: string</a:t>
+                      </a:r>
+                    </a:p>
+                  </a:txBody>
+                  <a:tcPr/>
+                </a:tc>
+                <a:extLst>
+                  <a:ext uri="{0D108BD9-81ED-4DB2-BD59-A6C34878D82A}">
+                    <a16:rowId xmlns:a16="http://schemas.microsoft.com/office/drawing/2014/main" val="652212420"/>
+                  </a:ext>
+                </a:extLst>
+              </a:tr>
+              <a:tr h="328842">
+                <a:tc>
+                  <a:txBody>
+                    <a:bodyPr/>
+                    <a:lstStyle/>
+                    <a:p>
+                      <a:r>
+                        <a:rPr lang="en-US" dirty="0" err="1"/>
+                        <a:t>End_date</a:t>
+                      </a:r>
+                      <a:r>
+                        <a:rPr lang="en-US" dirty="0"/>
+                        <a:t>: date</a:t>
+                      </a:r>
+                    </a:p>
+                  </a:txBody>
+                  <a:tcPr/>
+                </a:tc>
+                <a:extLst>
+                  <a:ext uri="{0D108BD9-81ED-4DB2-BD59-A6C34878D82A}">
+                    <a16:rowId xmlns:a16="http://schemas.microsoft.com/office/drawing/2014/main" val="3880365565"/>
+                  </a:ext>
+                </a:extLst>
+              </a:tr>
+              <a:tr h="232023">
+                <a:tc>
+                  <a:txBody>
+                    <a:bodyPr/>
+                    <a:lstStyle/>
+                    <a:p>
+                      <a:r>
+                        <a:rPr lang="en-US" dirty="0"/>
+                        <a:t>Category: string</a:t>
+                      </a:r>
+                    </a:p>
+                  </a:txBody>
+                  <a:tcPr/>
+                </a:tc>
+                <a:extLst>
+                  <a:ext uri="{0D108BD9-81ED-4DB2-BD59-A6C34878D82A}">
+                    <a16:rowId xmlns:a16="http://schemas.microsoft.com/office/drawing/2014/main" val="2640780047"/>
+                  </a:ext>
+                </a:extLst>
+              </a:tr>
+              <a:tr h="232023">
+                <a:tc>
+                  <a:txBody>
+                    <a:bodyPr/>
+                    <a:lstStyle/>
+                    <a:p>
+                      <a:r>
+                        <a:rPr lang="en-US" dirty="0"/>
+                        <a:t>body: text</a:t>
+                      </a:r>
+                    </a:p>
+                  </a:txBody>
+                  <a:tcPr/>
+                </a:tc>
+                <a:extLst>
+                  <a:ext uri="{0D108BD9-81ED-4DB2-BD59-A6C34878D82A}">
+                    <a16:rowId xmlns:a16="http://schemas.microsoft.com/office/drawing/2014/main" val="2056895620"/>
+                  </a:ext>
+                </a:extLst>
+              </a:tr>
+              <a:tr h="232023">
+                <a:tc>
+                  <a:txBody>
+                    <a:bodyPr/>
+                    <a:lstStyle/>
+                    <a:p>
+                      <a:r>
+                        <a:rPr lang="en-US" dirty="0" err="1"/>
+                        <a:t>Link_join</a:t>
+                      </a:r>
+                      <a:r>
+                        <a:rPr lang="en-US" dirty="0"/>
+                        <a:t>: string</a:t>
+                      </a:r>
+                    </a:p>
+                  </a:txBody>
+                  <a:tcPr/>
+                </a:tc>
+                <a:extLst>
+                  <a:ext uri="{0D108BD9-81ED-4DB2-BD59-A6C34878D82A}">
+                    <a16:rowId xmlns:a16="http://schemas.microsoft.com/office/drawing/2014/main" val="2901439355"/>
+                  </a:ext>
+                </a:extLst>
+              </a:tr>
+              <a:tr h="232023">
+                <a:tc>
+                  <a:txBody>
+                    <a:bodyPr/>
+                    <a:lstStyle/>
+                    <a:p>
+                      <a:r>
+                        <a:rPr lang="en-US" dirty="0"/>
+                        <a:t>City: string</a:t>
+                      </a:r>
+                    </a:p>
+                  </a:txBody>
+                  <a:tcPr/>
+                </a:tc>
+                <a:extLst>
+                  <a:ext uri="{0D108BD9-81ED-4DB2-BD59-A6C34878D82A}">
+                    <a16:rowId xmlns:a16="http://schemas.microsoft.com/office/drawing/2014/main" val="2625956114"/>
+                  </a:ext>
+                </a:extLst>
+              </a:tr>
+            </a:tbl>
+          </a:graphicData>
+        </a:graphic>
+      </p:graphicFrame>
+      <p:sp>
+        <p:nvSpPr>
+          <p:cNvPr id="118" name="TextBox 117">
+            <a:extLst>
+              <a:ext uri="{FF2B5EF4-FFF2-40B4-BE49-F238E27FC236}">
+                <a16:creationId xmlns:a16="http://schemas.microsoft.com/office/drawing/2014/main" id="{61B8421A-1E32-4B05-9DCA-28989D01F175}"/>
+              </a:ext>
+            </a:extLst>
+          </p:cNvPr>
+          <p:cNvSpPr txBox="1"/>
           <p:nvPr/>
         </p:nvSpPr>
         <p:spPr>
           <a:xfrm>
-            <a:off x="635970" y="224804"/>
-            <a:ext cx="1803043" cy="2428643"/>
-          </a:xfrm>
-          <a:prstGeom prst="rect">
-            <a:avLst/>
-          </a:prstGeom>
-        </p:spPr>
-        <p:style>
-          <a:lnRef idx="2">
-            <a:schemeClr val="dk1"/>
-          </a:lnRef>
-          <a:fillRef idx="1">
-            <a:schemeClr val="lt1"/>
-          </a:fillRef>
-          <a:effectRef idx="0">
-            <a:schemeClr val="dk1"/>
-          </a:effectRef>
-          <a:fontRef idx="minor">
-            <a:schemeClr val="dk1"/>
-          </a:fontRef>
-        </p:style>
-        <p:txBody>
-          <a:bodyPr rtlCol="0" anchor="ctr"/>
-          <a:lstStyle/>
-          <a:p>
-            <a:pPr algn="ctr"/>
-            <a:endParaRPr lang="en-US"/>
-          </a:p>
-        </p:txBody>
-      </p:sp>
-      <p:sp>
-        <p:nvSpPr>
-          <p:cNvPr id="52" name="TextBox 51"/>
-          <p:cNvSpPr txBox="1"/>
-          <p:nvPr/>
-        </p:nvSpPr>
-        <p:spPr>
-          <a:xfrm>
-            <a:off x="1117343" y="314958"/>
-            <a:ext cx="633507" cy="369332"/>
+            <a:off x="6148666" y="2184659"/>
+            <a:ext cx="375771" cy="523220"/>
           </a:xfrm>
           <a:prstGeom prst="rect">
             <a:avLst/>
@@ -3284,67 +3817,38 @@
           <a:noFill/>
         </p:spPr>
         <p:txBody>
-          <a:bodyPr wrap="none" rtlCol="0">
+          <a:bodyPr wrap="square" rtlCol="0">
             <a:spAutoFit/>
           </a:bodyPr>
           <a:lstStyle/>
           <a:p>
             <a:r>
-              <a:rPr lang="en-US" b="1" dirty="0" smtClean="0"/>
-              <a:t>class</a:t>
-            </a:r>
-            <a:endParaRPr lang="en-US" b="1" dirty="0"/>
-          </a:p>
-        </p:txBody>
-      </p:sp>
-      <p:sp>
-        <p:nvSpPr>
-          <p:cNvPr id="53" name="Rectangle 52"/>
-          <p:cNvSpPr/>
+              <a:rPr lang="en-US" sz="2800" dirty="0">
+                <a:solidFill>
+                  <a:srgbClr val="FF0000"/>
+                </a:solidFill>
+              </a:rPr>
+              <a:t>*</a:t>
+            </a:r>
+          </a:p>
+        </p:txBody>
+      </p:sp>
+      <p:sp>
+        <p:nvSpPr>
+          <p:cNvPr id="121" name="TextBox 120">
+            <a:extLst>
+              <a:ext uri="{FF2B5EF4-FFF2-40B4-BE49-F238E27FC236}">
+                <a16:creationId xmlns:a16="http://schemas.microsoft.com/office/drawing/2014/main" id="{44ACA98F-7345-4AC4-B0FA-22807E7AE162}"/>
+              </a:ext>
+            </a:extLst>
+          </p:cNvPr>
+          <p:cNvSpPr txBox="1"/>
           <p:nvPr/>
         </p:nvSpPr>
         <p:spPr>
           <a:xfrm>
-            <a:off x="3301896" y="224804"/>
-            <a:ext cx="1803043" cy="2428643"/>
-          </a:xfrm>
-          <a:prstGeom prst="rect">
-            <a:avLst/>
-          </a:prstGeom>
-        </p:spPr>
-        <p:style>
-          <a:lnRef idx="2">
-            <a:schemeClr val="dk1"/>
-          </a:lnRef>
-          <a:fillRef idx="1">
-            <a:schemeClr val="lt1"/>
-          </a:fillRef>
-          <a:effectRef idx="0">
-            <a:schemeClr val="dk1"/>
-          </a:effectRef>
-          <a:fontRef idx="minor">
-            <a:schemeClr val="dk1"/>
-          </a:fontRef>
-        </p:style>
-        <p:txBody>
-          <a:bodyPr rtlCol="0" anchor="ctr"/>
-          <a:lstStyle/>
-          <a:p>
-            <a:pPr algn="ctr"/>
-            <a:endParaRPr lang="en-US"/>
-          </a:p>
-        </p:txBody>
-      </p:sp>
-      <p:sp>
-        <p:nvSpPr>
-          <p:cNvPr id="54" name="TextBox 53"/>
-          <p:cNvSpPr txBox="1"/>
-          <p:nvPr/>
-        </p:nvSpPr>
-        <p:spPr>
-          <a:xfrm>
-            <a:off x="3783269" y="314958"/>
-            <a:ext cx="917367" cy="369332"/>
+            <a:off x="4168961" y="1982216"/>
+            <a:ext cx="375771" cy="523220"/>
           </a:xfrm>
           <a:prstGeom prst="rect">
             <a:avLst/>
@@ -3352,313 +3856,46 @@
           <a:noFill/>
         </p:spPr>
         <p:txBody>
-          <a:bodyPr wrap="none" rtlCol="0">
+          <a:bodyPr wrap="square" rtlCol="0">
             <a:spAutoFit/>
           </a:bodyPr>
           <a:lstStyle/>
           <a:p>
             <a:r>
-              <a:rPr lang="en-US" b="1" dirty="0" smtClean="0"/>
-              <a:t>student</a:t>
-            </a:r>
-            <a:endParaRPr lang="en-US" b="1" dirty="0"/>
-          </a:p>
-        </p:txBody>
-      </p:sp>
-      <p:sp>
-        <p:nvSpPr>
-          <p:cNvPr id="55" name="Rectangle 54"/>
-          <p:cNvSpPr/>
-          <p:nvPr/>
-        </p:nvSpPr>
-        <p:spPr>
-          <a:xfrm>
-            <a:off x="5967822" y="224804"/>
-            <a:ext cx="1803043" cy="2428643"/>
-          </a:xfrm>
-          <a:prstGeom prst="rect">
-            <a:avLst/>
-          </a:prstGeom>
-        </p:spPr>
-        <p:style>
-          <a:lnRef idx="2">
-            <a:schemeClr val="dk1"/>
-          </a:lnRef>
-          <a:fillRef idx="1">
-            <a:schemeClr val="lt1"/>
-          </a:fillRef>
-          <a:effectRef idx="0">
-            <a:schemeClr val="dk1"/>
-          </a:effectRef>
-          <a:fontRef idx="minor">
-            <a:schemeClr val="dk1"/>
-          </a:fontRef>
-        </p:style>
-        <p:txBody>
-          <a:bodyPr rtlCol="0" anchor="ctr"/>
-          <a:lstStyle/>
-          <a:p>
-            <a:pPr algn="ctr"/>
-            <a:endParaRPr lang="en-US"/>
-          </a:p>
-        </p:txBody>
-      </p:sp>
-      <p:sp>
-        <p:nvSpPr>
-          <p:cNvPr id="56" name="TextBox 55"/>
-          <p:cNvSpPr txBox="1"/>
-          <p:nvPr/>
-        </p:nvSpPr>
-        <p:spPr>
-          <a:xfrm>
-            <a:off x="6209194" y="314959"/>
-            <a:ext cx="1320298" cy="369332"/>
-          </a:xfrm>
-          <a:prstGeom prst="rect">
-            <a:avLst/>
-          </a:prstGeom>
-          <a:noFill/>
-        </p:spPr>
-        <p:txBody>
-          <a:bodyPr wrap="none" rtlCol="0">
-            <a:spAutoFit/>
-          </a:bodyPr>
-          <a:lstStyle/>
-          <a:p>
-            <a:r>
-              <a:rPr lang="en-US" b="1" dirty="0" smtClean="0"/>
-              <a:t>exam_score</a:t>
-            </a:r>
-            <a:endParaRPr lang="en-US" b="1" dirty="0"/>
-          </a:p>
-        </p:txBody>
-      </p:sp>
-      <p:sp>
-        <p:nvSpPr>
-          <p:cNvPr id="57" name="Rectangle 56"/>
-          <p:cNvSpPr/>
-          <p:nvPr/>
-        </p:nvSpPr>
-        <p:spPr>
-          <a:xfrm>
-            <a:off x="9251935" y="224803"/>
-            <a:ext cx="1803043" cy="2428643"/>
-          </a:xfrm>
-          <a:prstGeom prst="rect">
-            <a:avLst/>
-          </a:prstGeom>
-        </p:spPr>
-        <p:style>
-          <a:lnRef idx="2">
-            <a:schemeClr val="dk1"/>
-          </a:lnRef>
-          <a:fillRef idx="1">
-            <a:schemeClr val="lt1"/>
-          </a:fillRef>
-          <a:effectRef idx="0">
-            <a:schemeClr val="dk1"/>
-          </a:effectRef>
-          <a:fontRef idx="minor">
-            <a:schemeClr val="dk1"/>
-          </a:fontRef>
-        </p:style>
-        <p:txBody>
-          <a:bodyPr rtlCol="0" anchor="ctr"/>
-          <a:lstStyle/>
-          <a:p>
-            <a:pPr algn="ctr"/>
-            <a:endParaRPr lang="en-US"/>
-          </a:p>
-        </p:txBody>
-      </p:sp>
-      <p:sp>
-        <p:nvSpPr>
-          <p:cNvPr id="58" name="TextBox 57"/>
-          <p:cNvSpPr txBox="1"/>
-          <p:nvPr/>
-        </p:nvSpPr>
-        <p:spPr>
-          <a:xfrm>
-            <a:off x="9493307" y="314958"/>
-            <a:ext cx="1243482" cy="369332"/>
-          </a:xfrm>
-          <a:prstGeom prst="rect">
-            <a:avLst/>
-          </a:prstGeom>
-          <a:noFill/>
-        </p:spPr>
-        <p:txBody>
-          <a:bodyPr wrap="none" rtlCol="0">
-            <a:spAutoFit/>
-          </a:bodyPr>
-          <a:lstStyle/>
-          <a:p>
-            <a:r>
-              <a:rPr lang="en-US" b="1" dirty="0" smtClean="0"/>
-              <a:t>exam_type</a:t>
-            </a:r>
-            <a:endParaRPr lang="en-US" b="1" dirty="0"/>
-          </a:p>
-        </p:txBody>
-      </p:sp>
-      <p:sp>
-        <p:nvSpPr>
-          <p:cNvPr id="59" name="Rectangle 58"/>
-          <p:cNvSpPr/>
-          <p:nvPr/>
-        </p:nvSpPr>
-        <p:spPr>
-          <a:xfrm>
-            <a:off x="5980354" y="4186801"/>
-            <a:ext cx="1803043" cy="2009105"/>
-          </a:xfrm>
-          <a:prstGeom prst="rect">
-            <a:avLst/>
-          </a:prstGeom>
-        </p:spPr>
-        <p:style>
-          <a:lnRef idx="2">
-            <a:schemeClr val="dk1"/>
-          </a:lnRef>
-          <a:fillRef idx="1">
-            <a:schemeClr val="lt1"/>
-          </a:fillRef>
-          <a:effectRef idx="0">
-            <a:schemeClr val="dk1"/>
-          </a:effectRef>
-          <a:fontRef idx="minor">
-            <a:schemeClr val="dk1"/>
-          </a:fontRef>
-        </p:style>
-        <p:txBody>
-          <a:bodyPr rtlCol="0" anchor="ctr"/>
-          <a:lstStyle/>
-          <a:p>
-            <a:pPr algn="ctr"/>
-            <a:endParaRPr lang="en-US"/>
-          </a:p>
-        </p:txBody>
-      </p:sp>
-      <p:sp>
-        <p:nvSpPr>
-          <p:cNvPr id="60" name="TextBox 59"/>
-          <p:cNvSpPr txBox="1"/>
-          <p:nvPr/>
-        </p:nvSpPr>
-        <p:spPr>
-          <a:xfrm>
-            <a:off x="6506612" y="4223154"/>
-            <a:ext cx="661720" cy="369332"/>
-          </a:xfrm>
-          <a:prstGeom prst="rect">
-            <a:avLst/>
-          </a:prstGeom>
-          <a:noFill/>
-        </p:spPr>
-        <p:txBody>
-          <a:bodyPr wrap="none" rtlCol="0">
-            <a:spAutoFit/>
-          </a:bodyPr>
-          <a:lstStyle/>
-          <a:p>
-            <a:r>
-              <a:rPr lang="en-US" b="1" dirty="0" smtClean="0"/>
-              <a:t>topic</a:t>
-            </a:r>
-            <a:endParaRPr lang="en-US" b="1" dirty="0"/>
-          </a:p>
-        </p:txBody>
-      </p:sp>
-      <p:sp>
-        <p:nvSpPr>
-          <p:cNvPr id="61" name="Rectangle 60"/>
-          <p:cNvSpPr/>
-          <p:nvPr/>
-        </p:nvSpPr>
-        <p:spPr>
-          <a:xfrm>
-            <a:off x="630766" y="4186801"/>
-            <a:ext cx="1803043" cy="2009105"/>
-          </a:xfrm>
-          <a:prstGeom prst="rect">
-            <a:avLst/>
-          </a:prstGeom>
-        </p:spPr>
-        <p:style>
-          <a:lnRef idx="2">
-            <a:schemeClr val="dk1"/>
-          </a:lnRef>
-          <a:fillRef idx="1">
-            <a:schemeClr val="lt1"/>
-          </a:fillRef>
-          <a:effectRef idx="0">
-            <a:schemeClr val="dk1"/>
-          </a:effectRef>
-          <a:fontRef idx="minor">
-            <a:schemeClr val="dk1"/>
-          </a:fontRef>
-        </p:style>
-        <p:txBody>
-          <a:bodyPr rtlCol="0" anchor="ctr"/>
-          <a:lstStyle/>
-          <a:p>
-            <a:pPr algn="ctr"/>
-            <a:endParaRPr lang="en-US"/>
-          </a:p>
-        </p:txBody>
-      </p:sp>
-      <p:sp>
-        <p:nvSpPr>
-          <p:cNvPr id="62" name="TextBox 61"/>
-          <p:cNvSpPr txBox="1"/>
-          <p:nvPr/>
-        </p:nvSpPr>
-        <p:spPr>
-          <a:xfrm>
-            <a:off x="1174014" y="4289834"/>
-            <a:ext cx="716543" cy="369332"/>
-          </a:xfrm>
-          <a:prstGeom prst="rect">
-            <a:avLst/>
-          </a:prstGeom>
-          <a:noFill/>
-        </p:spPr>
-        <p:txBody>
-          <a:bodyPr wrap="none" rtlCol="0">
-            <a:spAutoFit/>
-          </a:bodyPr>
-          <a:lstStyle/>
-          <a:p>
-            <a:r>
-              <a:rPr lang="en-US" b="1" dirty="0" smtClean="0"/>
-              <a:t>batch</a:t>
-            </a:r>
-            <a:endParaRPr lang="en-US" b="1" dirty="0"/>
+              <a:rPr lang="en-US" sz="2800" dirty="0">
+                <a:solidFill>
+                  <a:srgbClr val="FF0000"/>
+                </a:solidFill>
+              </a:rPr>
+              <a:t>1</a:t>
+            </a:r>
           </a:p>
         </p:txBody>
       </p:sp>
       <p:cxnSp>
         <p:nvCxnSpPr>
-          <p:cNvPr id="63" name="Straight Connector 62"/>
+          <p:cNvPr id="14" name="Straight Connector 13">
+            <a:extLst>
+              <a:ext uri="{FF2B5EF4-FFF2-40B4-BE49-F238E27FC236}">
+                <a16:creationId xmlns:a16="http://schemas.microsoft.com/office/drawing/2014/main" id="{A4074267-7966-4251-A4CA-877D6AD70755}"/>
+              </a:ext>
+            </a:extLst>
+          </p:cNvPr>
           <p:cNvCxnSpPr>
-            <a:stCxn id="55" idx="3"/>
-            <a:endCxn id="57" idx="1"/>
+            <a:cxnSpLocks/>
+            <a:stCxn id="2" idx="3"/>
+            <a:endCxn id="118" idx="3"/>
           </p:cNvCxnSpPr>
           <p:nvPr/>
         </p:nvCxnSpPr>
         <p:spPr>
-          <a:xfrm flipV="1">
-            <a:off x="7770865" y="1439125"/>
-            <a:ext cx="1481070" cy="1"/>
+          <a:xfrm>
+            <a:off x="4222376" y="2446269"/>
+            <a:ext cx="2302061" cy="0"/>
           </a:xfrm>
           <a:prstGeom prst="line">
             <a:avLst/>
           </a:prstGeom>
-          <a:ln>
-            <a:solidFill>
-              <a:schemeClr val="tx1"/>
-            </a:solidFill>
-          </a:ln>
         </p:spPr>
         <p:style>
           <a:lnRef idx="1">
@@ -3675,1729 +3912,6 @@
           </a:fontRef>
         </p:style>
       </p:cxnSp>
-      <p:cxnSp>
-        <p:nvCxnSpPr>
-          <p:cNvPr id="64" name="Straight Connector 63"/>
-          <p:cNvCxnSpPr>
-            <a:stCxn id="53" idx="3"/>
-            <a:endCxn id="55" idx="1"/>
-          </p:cNvCxnSpPr>
-          <p:nvPr/>
-        </p:nvCxnSpPr>
-        <p:spPr>
-          <a:xfrm>
-            <a:off x="5104939" y="1439126"/>
-            <a:ext cx="862883" cy="0"/>
-          </a:xfrm>
-          <a:prstGeom prst="line">
-            <a:avLst/>
-          </a:prstGeom>
-          <a:ln>
-            <a:solidFill>
-              <a:schemeClr val="tx1"/>
-            </a:solidFill>
-          </a:ln>
-        </p:spPr>
-        <p:style>
-          <a:lnRef idx="1">
-            <a:schemeClr val="accent1"/>
-          </a:lnRef>
-          <a:fillRef idx="0">
-            <a:schemeClr val="accent1"/>
-          </a:fillRef>
-          <a:effectRef idx="0">
-            <a:schemeClr val="accent1"/>
-          </a:effectRef>
-          <a:fontRef idx="minor">
-            <a:schemeClr val="tx1"/>
-          </a:fontRef>
-        </p:style>
-      </p:cxnSp>
-      <p:cxnSp>
-        <p:nvCxnSpPr>
-          <p:cNvPr id="65" name="Straight Connector 64"/>
-          <p:cNvCxnSpPr/>
-          <p:nvPr/>
-        </p:nvCxnSpPr>
-        <p:spPr>
-          <a:xfrm>
-            <a:off x="2421277" y="1229355"/>
-            <a:ext cx="862883" cy="0"/>
-          </a:xfrm>
-          <a:prstGeom prst="line">
-            <a:avLst/>
-          </a:prstGeom>
-          <a:ln>
-            <a:solidFill>
-              <a:schemeClr val="tx1"/>
-            </a:solidFill>
-          </a:ln>
-        </p:spPr>
-        <p:style>
-          <a:lnRef idx="1">
-            <a:schemeClr val="accent1"/>
-          </a:lnRef>
-          <a:fillRef idx="0">
-            <a:schemeClr val="accent1"/>
-          </a:fillRef>
-          <a:effectRef idx="0">
-            <a:schemeClr val="accent1"/>
-          </a:effectRef>
-          <a:fontRef idx="minor">
-            <a:schemeClr val="tx1"/>
-          </a:fontRef>
-        </p:style>
-      </p:cxnSp>
-      <p:cxnSp>
-        <p:nvCxnSpPr>
-          <p:cNvPr id="66" name="Straight Connector 65"/>
-          <p:cNvCxnSpPr>
-            <a:endCxn id="61" idx="0"/>
-          </p:cNvCxnSpPr>
-          <p:nvPr/>
-        </p:nvCxnSpPr>
-        <p:spPr>
-          <a:xfrm>
-            <a:off x="1532288" y="2656354"/>
-            <a:ext cx="0" cy="1530447"/>
-          </a:xfrm>
-          <a:prstGeom prst="line">
-            <a:avLst/>
-          </a:prstGeom>
-          <a:ln>
-            <a:solidFill>
-              <a:schemeClr val="tx1"/>
-            </a:solidFill>
-          </a:ln>
-        </p:spPr>
-        <p:style>
-          <a:lnRef idx="1">
-            <a:schemeClr val="accent1"/>
-          </a:lnRef>
-          <a:fillRef idx="0">
-            <a:schemeClr val="accent1"/>
-          </a:fillRef>
-          <a:effectRef idx="0">
-            <a:schemeClr val="accent1"/>
-          </a:effectRef>
-          <a:fontRef idx="minor">
-            <a:schemeClr val="tx1"/>
-          </a:fontRef>
-        </p:style>
-      </p:cxnSp>
-      <p:cxnSp>
-        <p:nvCxnSpPr>
-          <p:cNvPr id="67" name="Straight Connector 66"/>
-          <p:cNvCxnSpPr/>
-          <p:nvPr/>
-        </p:nvCxnSpPr>
-        <p:spPr>
-          <a:xfrm>
-            <a:off x="6884740" y="2674531"/>
-            <a:ext cx="42822" cy="1491186"/>
-          </a:xfrm>
-          <a:prstGeom prst="line">
-            <a:avLst/>
-          </a:prstGeom>
-          <a:ln>
-            <a:solidFill>
-              <a:schemeClr val="tx1"/>
-            </a:solidFill>
-          </a:ln>
-        </p:spPr>
-        <p:style>
-          <a:lnRef idx="1">
-            <a:schemeClr val="accent1"/>
-          </a:lnRef>
-          <a:fillRef idx="0">
-            <a:schemeClr val="accent1"/>
-          </a:fillRef>
-          <a:effectRef idx="0">
-            <a:schemeClr val="accent1"/>
-          </a:effectRef>
-          <a:fontRef idx="minor">
-            <a:schemeClr val="tx1"/>
-          </a:fontRef>
-        </p:style>
-      </p:cxnSp>
-      <p:cxnSp>
-        <p:nvCxnSpPr>
-          <p:cNvPr id="68" name="Straight Connector 67"/>
-          <p:cNvCxnSpPr/>
-          <p:nvPr/>
-        </p:nvCxnSpPr>
-        <p:spPr>
-          <a:xfrm>
-            <a:off x="656870" y="705893"/>
-            <a:ext cx="1764407" cy="0"/>
-          </a:xfrm>
-          <a:prstGeom prst="line">
-            <a:avLst/>
-          </a:prstGeom>
-          <a:ln>
-            <a:solidFill>
-              <a:schemeClr val="tx1"/>
-            </a:solidFill>
-          </a:ln>
-        </p:spPr>
-        <p:style>
-          <a:lnRef idx="1">
-            <a:schemeClr val="accent1"/>
-          </a:lnRef>
-          <a:fillRef idx="0">
-            <a:schemeClr val="accent1"/>
-          </a:fillRef>
-          <a:effectRef idx="0">
-            <a:schemeClr val="accent1"/>
-          </a:effectRef>
-          <a:fontRef idx="minor">
-            <a:schemeClr val="tx1"/>
-          </a:fontRef>
-        </p:style>
-      </p:cxnSp>
-      <p:cxnSp>
-        <p:nvCxnSpPr>
-          <p:cNvPr id="69" name="Straight Connector 68"/>
-          <p:cNvCxnSpPr/>
-          <p:nvPr/>
-        </p:nvCxnSpPr>
-        <p:spPr>
-          <a:xfrm>
-            <a:off x="3340532" y="684290"/>
-            <a:ext cx="1764407" cy="0"/>
-          </a:xfrm>
-          <a:prstGeom prst="line">
-            <a:avLst/>
-          </a:prstGeom>
-          <a:ln>
-            <a:solidFill>
-              <a:schemeClr val="tx1"/>
-            </a:solidFill>
-          </a:ln>
-        </p:spPr>
-        <p:style>
-          <a:lnRef idx="1">
-            <a:schemeClr val="accent1"/>
-          </a:lnRef>
-          <a:fillRef idx="0">
-            <a:schemeClr val="accent1"/>
-          </a:fillRef>
-          <a:effectRef idx="0">
-            <a:schemeClr val="accent1"/>
-          </a:effectRef>
-          <a:fontRef idx="minor">
-            <a:schemeClr val="tx1"/>
-          </a:fontRef>
-        </p:style>
-      </p:cxnSp>
-      <p:cxnSp>
-        <p:nvCxnSpPr>
-          <p:cNvPr id="70" name="Straight Connector 69"/>
-          <p:cNvCxnSpPr/>
-          <p:nvPr/>
-        </p:nvCxnSpPr>
-        <p:spPr>
-          <a:xfrm>
-            <a:off x="5967822" y="705893"/>
-            <a:ext cx="1764407" cy="0"/>
-          </a:xfrm>
-          <a:prstGeom prst="line">
-            <a:avLst/>
-          </a:prstGeom>
-          <a:ln>
-            <a:solidFill>
-              <a:schemeClr val="tx1"/>
-            </a:solidFill>
-          </a:ln>
-        </p:spPr>
-        <p:style>
-          <a:lnRef idx="1">
-            <a:schemeClr val="accent1"/>
-          </a:lnRef>
-          <a:fillRef idx="0">
-            <a:schemeClr val="accent1"/>
-          </a:fillRef>
-          <a:effectRef idx="0">
-            <a:schemeClr val="accent1"/>
-          </a:effectRef>
-          <a:fontRef idx="minor">
-            <a:schemeClr val="tx1"/>
-          </a:fontRef>
-        </p:style>
-      </p:cxnSp>
-      <p:cxnSp>
-        <p:nvCxnSpPr>
-          <p:cNvPr id="71" name="Straight Connector 70"/>
-          <p:cNvCxnSpPr/>
-          <p:nvPr/>
-        </p:nvCxnSpPr>
-        <p:spPr>
-          <a:xfrm>
-            <a:off x="9232844" y="705893"/>
-            <a:ext cx="1764407" cy="0"/>
-          </a:xfrm>
-          <a:prstGeom prst="line">
-            <a:avLst/>
-          </a:prstGeom>
-          <a:ln>
-            <a:solidFill>
-              <a:schemeClr val="tx1"/>
-            </a:solidFill>
-          </a:ln>
-        </p:spPr>
-        <p:style>
-          <a:lnRef idx="1">
-            <a:schemeClr val="accent1"/>
-          </a:lnRef>
-          <a:fillRef idx="0">
-            <a:schemeClr val="accent1"/>
-          </a:fillRef>
-          <a:effectRef idx="0">
-            <a:schemeClr val="accent1"/>
-          </a:effectRef>
-          <a:fontRef idx="minor">
-            <a:schemeClr val="tx1"/>
-          </a:fontRef>
-        </p:style>
-      </p:cxnSp>
-      <p:cxnSp>
-        <p:nvCxnSpPr>
-          <p:cNvPr id="72" name="Straight Connector 71"/>
-          <p:cNvCxnSpPr/>
-          <p:nvPr/>
-        </p:nvCxnSpPr>
-        <p:spPr>
-          <a:xfrm>
-            <a:off x="650081" y="4659166"/>
-            <a:ext cx="1764407" cy="0"/>
-          </a:xfrm>
-          <a:prstGeom prst="line">
-            <a:avLst/>
-          </a:prstGeom>
-          <a:ln>
-            <a:solidFill>
-              <a:schemeClr val="tx1"/>
-            </a:solidFill>
-          </a:ln>
-        </p:spPr>
-        <p:style>
-          <a:lnRef idx="1">
-            <a:schemeClr val="accent1"/>
-          </a:lnRef>
-          <a:fillRef idx="0">
-            <a:schemeClr val="accent1"/>
-          </a:fillRef>
-          <a:effectRef idx="0">
-            <a:schemeClr val="accent1"/>
-          </a:effectRef>
-          <a:fontRef idx="minor">
-            <a:schemeClr val="tx1"/>
-          </a:fontRef>
-        </p:style>
-      </p:cxnSp>
-      <p:cxnSp>
-        <p:nvCxnSpPr>
-          <p:cNvPr id="73" name="Straight Connector 72"/>
-          <p:cNvCxnSpPr/>
-          <p:nvPr/>
-        </p:nvCxnSpPr>
-        <p:spPr>
-          <a:xfrm>
-            <a:off x="5955268" y="4592486"/>
-            <a:ext cx="1764407" cy="0"/>
-          </a:xfrm>
-          <a:prstGeom prst="line">
-            <a:avLst/>
-          </a:prstGeom>
-          <a:ln>
-            <a:solidFill>
-              <a:schemeClr val="tx1"/>
-            </a:solidFill>
-          </a:ln>
-        </p:spPr>
-        <p:style>
-          <a:lnRef idx="1">
-            <a:schemeClr val="accent1"/>
-          </a:lnRef>
-          <a:fillRef idx="0">
-            <a:schemeClr val="accent1"/>
-          </a:fillRef>
-          <a:effectRef idx="0">
-            <a:schemeClr val="accent1"/>
-          </a:effectRef>
-          <a:fontRef idx="minor">
-            <a:schemeClr val="tx1"/>
-          </a:fontRef>
-        </p:style>
-      </p:cxnSp>
-      <p:sp>
-        <p:nvSpPr>
-          <p:cNvPr id="74" name="TextBox 73"/>
-          <p:cNvSpPr txBox="1"/>
-          <p:nvPr/>
-        </p:nvSpPr>
-        <p:spPr>
-          <a:xfrm>
-            <a:off x="3567083" y="1093040"/>
-            <a:ext cx="1231299" cy="369332"/>
-          </a:xfrm>
-          <a:prstGeom prst="rect">
-            <a:avLst/>
-          </a:prstGeom>
-          <a:noFill/>
-        </p:spPr>
-        <p:txBody>
-          <a:bodyPr wrap="none" rtlCol="0">
-            <a:spAutoFit/>
-          </a:bodyPr>
-          <a:lstStyle/>
-          <a:p>
-            <a:r>
-              <a:rPr lang="en-US" dirty="0" smtClean="0"/>
-              <a:t>first_name</a:t>
-            </a:r>
-            <a:endParaRPr lang="en-US" dirty="0"/>
-          </a:p>
-        </p:txBody>
-      </p:sp>
-      <p:sp>
-        <p:nvSpPr>
-          <p:cNvPr id="75" name="TextBox 74"/>
-          <p:cNvSpPr txBox="1"/>
-          <p:nvPr/>
-        </p:nvSpPr>
-        <p:spPr>
-          <a:xfrm>
-            <a:off x="3554818" y="1350878"/>
-            <a:ext cx="1159933" cy="369332"/>
-          </a:xfrm>
-          <a:prstGeom prst="rect">
-            <a:avLst/>
-          </a:prstGeom>
-          <a:noFill/>
-        </p:spPr>
-        <p:txBody>
-          <a:bodyPr wrap="none" rtlCol="0">
-            <a:spAutoFit/>
-          </a:bodyPr>
-          <a:lstStyle/>
-          <a:p>
-            <a:r>
-              <a:rPr lang="en-US" dirty="0" smtClean="0"/>
-              <a:t>last_name</a:t>
-            </a:r>
-            <a:endParaRPr lang="en-US" dirty="0"/>
-          </a:p>
-        </p:txBody>
-      </p:sp>
-      <p:sp>
-        <p:nvSpPr>
-          <p:cNvPr id="76" name="TextBox 75"/>
-          <p:cNvSpPr txBox="1"/>
-          <p:nvPr/>
-        </p:nvSpPr>
-        <p:spPr>
-          <a:xfrm>
-            <a:off x="6243812" y="1053320"/>
-            <a:ext cx="684675" cy="369332"/>
-          </a:xfrm>
-          <a:prstGeom prst="rect">
-            <a:avLst/>
-          </a:prstGeom>
-          <a:noFill/>
-        </p:spPr>
-        <p:txBody>
-          <a:bodyPr wrap="none" rtlCol="0">
-            <a:spAutoFit/>
-          </a:bodyPr>
-          <a:lstStyle/>
-          <a:p>
-            <a:r>
-              <a:rPr lang="en-US" dirty="0" smtClean="0"/>
-              <a:t>score</a:t>
-            </a:r>
-            <a:endParaRPr lang="en-US" dirty="0"/>
-          </a:p>
-        </p:txBody>
-      </p:sp>
-      <p:sp>
-        <p:nvSpPr>
-          <p:cNvPr id="77" name="TextBox 76"/>
-          <p:cNvSpPr txBox="1"/>
-          <p:nvPr/>
-        </p:nvSpPr>
-        <p:spPr>
-          <a:xfrm>
-            <a:off x="9512669" y="1051656"/>
-            <a:ext cx="559769" cy="369332"/>
-          </a:xfrm>
-          <a:prstGeom prst="rect">
-            <a:avLst/>
-          </a:prstGeom>
-          <a:noFill/>
-        </p:spPr>
-        <p:txBody>
-          <a:bodyPr wrap="none" rtlCol="0">
-            <a:spAutoFit/>
-          </a:bodyPr>
-          <a:lstStyle/>
-          <a:p>
-            <a:r>
-              <a:rPr lang="en-US" dirty="0" smtClean="0"/>
-              <a:t>title</a:t>
-            </a:r>
-            <a:endParaRPr lang="en-US" dirty="0"/>
-          </a:p>
-        </p:txBody>
-      </p:sp>
-      <p:sp>
-        <p:nvSpPr>
-          <p:cNvPr id="78" name="TextBox 77"/>
-          <p:cNvSpPr txBox="1"/>
-          <p:nvPr/>
-        </p:nvSpPr>
-        <p:spPr>
-          <a:xfrm>
-            <a:off x="9543336" y="755280"/>
-            <a:ext cx="364202" cy="369332"/>
-          </a:xfrm>
-          <a:prstGeom prst="rect">
-            <a:avLst/>
-          </a:prstGeom>
-          <a:noFill/>
-        </p:spPr>
-        <p:txBody>
-          <a:bodyPr wrap="none" rtlCol="0">
-            <a:spAutoFit/>
-          </a:bodyPr>
-          <a:lstStyle/>
-          <a:p>
-            <a:r>
-              <a:rPr lang="en-US" b="1" dirty="0" smtClean="0"/>
-              <a:t>id</a:t>
-            </a:r>
-            <a:endParaRPr lang="en-US" b="1" dirty="0"/>
-          </a:p>
-        </p:txBody>
-      </p:sp>
-      <p:sp>
-        <p:nvSpPr>
-          <p:cNvPr id="79" name="TextBox 78"/>
-          <p:cNvSpPr txBox="1"/>
-          <p:nvPr/>
-        </p:nvSpPr>
-        <p:spPr>
-          <a:xfrm>
-            <a:off x="6287064" y="787274"/>
-            <a:ext cx="364202" cy="369332"/>
-          </a:xfrm>
-          <a:prstGeom prst="rect">
-            <a:avLst/>
-          </a:prstGeom>
-          <a:noFill/>
-        </p:spPr>
-        <p:txBody>
-          <a:bodyPr wrap="none" rtlCol="0">
-            <a:spAutoFit/>
-          </a:bodyPr>
-          <a:lstStyle/>
-          <a:p>
-            <a:r>
-              <a:rPr lang="en-US" b="1" dirty="0" smtClean="0"/>
-              <a:t>id</a:t>
-            </a:r>
-            <a:endParaRPr lang="en-US" b="1" dirty="0"/>
-          </a:p>
-        </p:txBody>
-      </p:sp>
-      <p:sp>
-        <p:nvSpPr>
-          <p:cNvPr id="80" name="TextBox 79"/>
-          <p:cNvSpPr txBox="1"/>
-          <p:nvPr/>
-        </p:nvSpPr>
-        <p:spPr>
-          <a:xfrm>
-            <a:off x="3598367" y="787274"/>
-            <a:ext cx="364202" cy="369332"/>
-          </a:xfrm>
-          <a:prstGeom prst="rect">
-            <a:avLst/>
-          </a:prstGeom>
-          <a:noFill/>
-        </p:spPr>
-        <p:txBody>
-          <a:bodyPr wrap="none" rtlCol="0">
-            <a:spAutoFit/>
-          </a:bodyPr>
-          <a:lstStyle/>
-          <a:p>
-            <a:r>
-              <a:rPr lang="en-US" b="1" dirty="0" smtClean="0"/>
-              <a:t>id</a:t>
-            </a:r>
-            <a:endParaRPr lang="en-US" b="1" dirty="0"/>
-          </a:p>
-        </p:txBody>
-      </p:sp>
-      <p:sp>
-        <p:nvSpPr>
-          <p:cNvPr id="81" name="TextBox 80"/>
-          <p:cNvSpPr txBox="1"/>
-          <p:nvPr/>
-        </p:nvSpPr>
-        <p:spPr>
-          <a:xfrm>
-            <a:off x="978566" y="800151"/>
-            <a:ext cx="364202" cy="369332"/>
-          </a:xfrm>
-          <a:prstGeom prst="rect">
-            <a:avLst/>
-          </a:prstGeom>
-          <a:noFill/>
-        </p:spPr>
-        <p:txBody>
-          <a:bodyPr wrap="none" rtlCol="0">
-            <a:spAutoFit/>
-          </a:bodyPr>
-          <a:lstStyle/>
-          <a:p>
-            <a:r>
-              <a:rPr lang="en-US" b="1" dirty="0" smtClean="0"/>
-              <a:t>id</a:t>
-            </a:r>
-            <a:endParaRPr lang="en-US" b="1" dirty="0"/>
-          </a:p>
-        </p:txBody>
-      </p:sp>
-      <p:sp>
-        <p:nvSpPr>
-          <p:cNvPr id="82" name="TextBox 81"/>
-          <p:cNvSpPr txBox="1"/>
-          <p:nvPr/>
-        </p:nvSpPr>
-        <p:spPr>
-          <a:xfrm>
-            <a:off x="923618" y="1111784"/>
-            <a:ext cx="716863" cy="369332"/>
-          </a:xfrm>
-          <a:prstGeom prst="rect">
-            <a:avLst/>
-          </a:prstGeom>
-          <a:noFill/>
-        </p:spPr>
-        <p:txBody>
-          <a:bodyPr wrap="none" rtlCol="0">
-            <a:spAutoFit/>
-          </a:bodyPr>
-          <a:lstStyle/>
-          <a:p>
-            <a:r>
-              <a:rPr lang="en-US" dirty="0" smtClean="0"/>
-              <a:t>name</a:t>
-            </a:r>
-            <a:endParaRPr lang="en-US" dirty="0"/>
-          </a:p>
-        </p:txBody>
-      </p:sp>
-      <p:sp>
-        <p:nvSpPr>
-          <p:cNvPr id="83" name="TextBox 82"/>
-          <p:cNvSpPr txBox="1"/>
-          <p:nvPr/>
-        </p:nvSpPr>
-        <p:spPr>
-          <a:xfrm>
-            <a:off x="6333794" y="5032084"/>
-            <a:ext cx="559769" cy="369332"/>
-          </a:xfrm>
-          <a:prstGeom prst="rect">
-            <a:avLst/>
-          </a:prstGeom>
-          <a:noFill/>
-        </p:spPr>
-        <p:txBody>
-          <a:bodyPr wrap="none" rtlCol="0">
-            <a:spAutoFit/>
-          </a:bodyPr>
-          <a:lstStyle/>
-          <a:p>
-            <a:r>
-              <a:rPr lang="en-US" dirty="0" smtClean="0"/>
-              <a:t>title</a:t>
-            </a:r>
-            <a:endParaRPr lang="en-US" dirty="0"/>
-          </a:p>
-        </p:txBody>
-      </p:sp>
-      <p:sp>
-        <p:nvSpPr>
-          <p:cNvPr id="84" name="TextBox 83"/>
-          <p:cNvSpPr txBox="1"/>
-          <p:nvPr/>
-        </p:nvSpPr>
-        <p:spPr>
-          <a:xfrm>
-            <a:off x="6386433" y="4673967"/>
-            <a:ext cx="364202" cy="369332"/>
-          </a:xfrm>
-          <a:prstGeom prst="rect">
-            <a:avLst/>
-          </a:prstGeom>
-          <a:noFill/>
-        </p:spPr>
-        <p:txBody>
-          <a:bodyPr wrap="none" rtlCol="0">
-            <a:spAutoFit/>
-          </a:bodyPr>
-          <a:lstStyle/>
-          <a:p>
-            <a:r>
-              <a:rPr lang="en-US" b="1" dirty="0" smtClean="0"/>
-              <a:t>id</a:t>
-            </a:r>
-            <a:endParaRPr lang="en-US" b="1" dirty="0"/>
-          </a:p>
-        </p:txBody>
-      </p:sp>
-      <p:sp>
-        <p:nvSpPr>
-          <p:cNvPr id="85" name="TextBox 84"/>
-          <p:cNvSpPr txBox="1"/>
-          <p:nvPr/>
-        </p:nvSpPr>
-        <p:spPr>
-          <a:xfrm>
-            <a:off x="3567083" y="1608716"/>
-            <a:ext cx="485774" cy="369332"/>
-          </a:xfrm>
-          <a:prstGeom prst="rect">
-            <a:avLst/>
-          </a:prstGeom>
-          <a:noFill/>
-        </p:spPr>
-        <p:txBody>
-          <a:bodyPr wrap="none" rtlCol="0">
-            <a:spAutoFit/>
-          </a:bodyPr>
-          <a:lstStyle/>
-          <a:p>
-            <a:r>
-              <a:rPr lang="en-US" dirty="0" smtClean="0"/>
-              <a:t>sex</a:t>
-            </a:r>
-            <a:endParaRPr lang="en-US" dirty="0"/>
-          </a:p>
-        </p:txBody>
-      </p:sp>
-      <p:sp>
-        <p:nvSpPr>
-          <p:cNvPr id="86" name="TextBox 85"/>
-          <p:cNvSpPr txBox="1"/>
-          <p:nvPr/>
-        </p:nvSpPr>
-        <p:spPr>
-          <a:xfrm>
-            <a:off x="998712" y="4769421"/>
-            <a:ext cx="364202" cy="369332"/>
-          </a:xfrm>
-          <a:prstGeom prst="rect">
-            <a:avLst/>
-          </a:prstGeom>
-          <a:noFill/>
-        </p:spPr>
-        <p:txBody>
-          <a:bodyPr wrap="none" rtlCol="0">
-            <a:spAutoFit/>
-          </a:bodyPr>
-          <a:lstStyle/>
-          <a:p>
-            <a:r>
-              <a:rPr lang="en-US" b="1" dirty="0" smtClean="0"/>
-              <a:t>id</a:t>
-            </a:r>
-            <a:endParaRPr lang="en-US" b="1" dirty="0"/>
-          </a:p>
-        </p:txBody>
-      </p:sp>
-      <p:sp>
-        <p:nvSpPr>
-          <p:cNvPr id="87" name="TextBox 86"/>
-          <p:cNvSpPr txBox="1"/>
-          <p:nvPr/>
-        </p:nvSpPr>
-        <p:spPr>
-          <a:xfrm>
-            <a:off x="1006003" y="5090145"/>
-            <a:ext cx="716863" cy="369332"/>
-          </a:xfrm>
-          <a:prstGeom prst="rect">
-            <a:avLst/>
-          </a:prstGeom>
-          <a:noFill/>
-        </p:spPr>
-        <p:txBody>
-          <a:bodyPr wrap="none" rtlCol="0">
-            <a:spAutoFit/>
-          </a:bodyPr>
-          <a:lstStyle/>
-          <a:p>
-            <a:r>
-              <a:rPr lang="en-US" smtClean="0"/>
-              <a:t>name</a:t>
-            </a:r>
-            <a:endParaRPr lang="en-US" dirty="0"/>
-          </a:p>
-        </p:txBody>
-      </p:sp>
-      <p:sp>
-        <p:nvSpPr>
-          <p:cNvPr id="88" name="TextBox 87"/>
-          <p:cNvSpPr txBox="1"/>
-          <p:nvPr/>
-        </p:nvSpPr>
-        <p:spPr>
-          <a:xfrm>
-            <a:off x="2456749" y="895546"/>
-            <a:ext cx="301686" cy="369332"/>
-          </a:xfrm>
-          <a:prstGeom prst="rect">
-            <a:avLst/>
-          </a:prstGeom>
-          <a:noFill/>
-        </p:spPr>
-        <p:txBody>
-          <a:bodyPr wrap="none" rtlCol="0">
-            <a:spAutoFit/>
-          </a:bodyPr>
-          <a:lstStyle/>
-          <a:p>
-            <a:r>
-              <a:rPr lang="en-US" dirty="0" smtClean="0">
-                <a:solidFill>
-                  <a:schemeClr val="accent1"/>
-                </a:solidFill>
-              </a:rPr>
-              <a:t>1</a:t>
-            </a:r>
-            <a:endParaRPr lang="en-US" dirty="0">
-              <a:solidFill>
-                <a:schemeClr val="accent1"/>
-              </a:solidFill>
-            </a:endParaRPr>
-          </a:p>
-        </p:txBody>
-      </p:sp>
-      <p:sp>
-        <p:nvSpPr>
-          <p:cNvPr id="89" name="TextBox 88"/>
-          <p:cNvSpPr txBox="1"/>
-          <p:nvPr/>
-        </p:nvSpPr>
-        <p:spPr>
-          <a:xfrm>
-            <a:off x="2948059" y="933147"/>
-            <a:ext cx="301686" cy="369332"/>
-          </a:xfrm>
-          <a:prstGeom prst="rect">
-            <a:avLst/>
-          </a:prstGeom>
-          <a:noFill/>
-        </p:spPr>
-        <p:txBody>
-          <a:bodyPr wrap="none" rtlCol="0">
-            <a:spAutoFit/>
-          </a:bodyPr>
-          <a:lstStyle/>
-          <a:p>
-            <a:r>
-              <a:rPr lang="en-US" dirty="0" smtClean="0">
-                <a:solidFill>
-                  <a:schemeClr val="accent1"/>
-                </a:solidFill>
-              </a:rPr>
-              <a:t>*</a:t>
-            </a:r>
-            <a:endParaRPr lang="en-US" dirty="0">
-              <a:solidFill>
-                <a:schemeClr val="accent1"/>
-              </a:solidFill>
-            </a:endParaRPr>
-          </a:p>
-        </p:txBody>
-      </p:sp>
-      <p:sp>
-        <p:nvSpPr>
-          <p:cNvPr id="90" name="TextBox 89"/>
-          <p:cNvSpPr txBox="1"/>
-          <p:nvPr/>
-        </p:nvSpPr>
-        <p:spPr>
-          <a:xfrm>
-            <a:off x="5149269" y="878302"/>
-            <a:ext cx="301686" cy="369332"/>
-          </a:xfrm>
-          <a:prstGeom prst="rect">
-            <a:avLst/>
-          </a:prstGeom>
-          <a:noFill/>
-        </p:spPr>
-        <p:txBody>
-          <a:bodyPr wrap="none" rtlCol="0">
-            <a:spAutoFit/>
-          </a:bodyPr>
-          <a:lstStyle/>
-          <a:p>
-            <a:r>
-              <a:rPr lang="en-US" dirty="0" smtClean="0">
-                <a:solidFill>
-                  <a:schemeClr val="accent1"/>
-                </a:solidFill>
-              </a:rPr>
-              <a:t>1</a:t>
-            </a:r>
-            <a:endParaRPr lang="en-US" dirty="0">
-              <a:solidFill>
-                <a:schemeClr val="accent1"/>
-              </a:solidFill>
-            </a:endParaRPr>
-          </a:p>
-        </p:txBody>
-      </p:sp>
-      <p:sp>
-        <p:nvSpPr>
-          <p:cNvPr id="91" name="TextBox 90"/>
-          <p:cNvSpPr txBox="1"/>
-          <p:nvPr/>
-        </p:nvSpPr>
-        <p:spPr>
-          <a:xfrm>
-            <a:off x="5640579" y="915903"/>
-            <a:ext cx="301686" cy="369332"/>
-          </a:xfrm>
-          <a:prstGeom prst="rect">
-            <a:avLst/>
-          </a:prstGeom>
-          <a:noFill/>
-        </p:spPr>
-        <p:txBody>
-          <a:bodyPr wrap="none" rtlCol="0">
-            <a:spAutoFit/>
-          </a:bodyPr>
-          <a:lstStyle/>
-          <a:p>
-            <a:r>
-              <a:rPr lang="en-US" dirty="0" smtClean="0">
-                <a:solidFill>
-                  <a:schemeClr val="accent1"/>
-                </a:solidFill>
-              </a:rPr>
-              <a:t>*</a:t>
-            </a:r>
-            <a:endParaRPr lang="en-US" dirty="0">
-              <a:solidFill>
-                <a:schemeClr val="accent1"/>
-              </a:solidFill>
-            </a:endParaRPr>
-          </a:p>
-        </p:txBody>
-      </p:sp>
-      <p:sp>
-        <p:nvSpPr>
-          <p:cNvPr id="92" name="TextBox 91"/>
-          <p:cNvSpPr txBox="1"/>
-          <p:nvPr/>
-        </p:nvSpPr>
-        <p:spPr>
-          <a:xfrm>
-            <a:off x="8899781" y="888691"/>
-            <a:ext cx="301686" cy="369332"/>
-          </a:xfrm>
-          <a:prstGeom prst="rect">
-            <a:avLst/>
-          </a:prstGeom>
-          <a:noFill/>
-        </p:spPr>
-        <p:txBody>
-          <a:bodyPr wrap="none" rtlCol="0">
-            <a:spAutoFit/>
-          </a:bodyPr>
-          <a:lstStyle/>
-          <a:p>
-            <a:r>
-              <a:rPr lang="en-US" dirty="0" smtClean="0">
-                <a:solidFill>
-                  <a:schemeClr val="accent1"/>
-                </a:solidFill>
-              </a:rPr>
-              <a:t>1</a:t>
-            </a:r>
-            <a:endParaRPr lang="en-US" dirty="0">
-              <a:solidFill>
-                <a:schemeClr val="accent1"/>
-              </a:solidFill>
-            </a:endParaRPr>
-          </a:p>
-        </p:txBody>
-      </p:sp>
-      <p:sp>
-        <p:nvSpPr>
-          <p:cNvPr id="93" name="TextBox 92"/>
-          <p:cNvSpPr txBox="1"/>
-          <p:nvPr/>
-        </p:nvSpPr>
-        <p:spPr>
-          <a:xfrm>
-            <a:off x="7897559" y="927118"/>
-            <a:ext cx="301686" cy="369332"/>
-          </a:xfrm>
-          <a:prstGeom prst="rect">
-            <a:avLst/>
-          </a:prstGeom>
-          <a:noFill/>
-        </p:spPr>
-        <p:txBody>
-          <a:bodyPr wrap="none" rtlCol="0">
-            <a:spAutoFit/>
-          </a:bodyPr>
-          <a:lstStyle/>
-          <a:p>
-            <a:r>
-              <a:rPr lang="en-US" dirty="0" smtClean="0">
-                <a:solidFill>
-                  <a:schemeClr val="accent1"/>
-                </a:solidFill>
-              </a:rPr>
-              <a:t>*</a:t>
-            </a:r>
-            <a:endParaRPr lang="en-US" dirty="0">
-              <a:solidFill>
-                <a:schemeClr val="accent1"/>
-              </a:solidFill>
-            </a:endParaRPr>
-          </a:p>
-        </p:txBody>
-      </p:sp>
-      <p:sp>
-        <p:nvSpPr>
-          <p:cNvPr id="94" name="TextBox 93"/>
-          <p:cNvSpPr txBox="1"/>
-          <p:nvPr/>
-        </p:nvSpPr>
-        <p:spPr>
-          <a:xfrm>
-            <a:off x="6927562" y="3844734"/>
-            <a:ext cx="301686" cy="369332"/>
-          </a:xfrm>
-          <a:prstGeom prst="rect">
-            <a:avLst/>
-          </a:prstGeom>
-          <a:noFill/>
-        </p:spPr>
-        <p:txBody>
-          <a:bodyPr wrap="none" rtlCol="0">
-            <a:spAutoFit/>
-          </a:bodyPr>
-          <a:lstStyle/>
-          <a:p>
-            <a:r>
-              <a:rPr lang="en-US" dirty="0" smtClean="0">
-                <a:solidFill>
-                  <a:schemeClr val="accent1"/>
-                </a:solidFill>
-              </a:rPr>
-              <a:t>1</a:t>
-            </a:r>
-            <a:endParaRPr lang="en-US" dirty="0">
-              <a:solidFill>
-                <a:schemeClr val="accent1"/>
-              </a:solidFill>
-            </a:endParaRPr>
-          </a:p>
-        </p:txBody>
-      </p:sp>
-      <p:sp>
-        <p:nvSpPr>
-          <p:cNvPr id="95" name="TextBox 94"/>
-          <p:cNvSpPr txBox="1"/>
-          <p:nvPr/>
-        </p:nvSpPr>
-        <p:spPr>
-          <a:xfrm>
-            <a:off x="6909826" y="2690473"/>
-            <a:ext cx="301686" cy="369332"/>
-          </a:xfrm>
-          <a:prstGeom prst="rect">
-            <a:avLst/>
-          </a:prstGeom>
-          <a:noFill/>
-        </p:spPr>
-        <p:txBody>
-          <a:bodyPr wrap="none" rtlCol="0">
-            <a:spAutoFit/>
-          </a:bodyPr>
-          <a:lstStyle/>
-          <a:p>
-            <a:r>
-              <a:rPr lang="en-US" dirty="0" smtClean="0">
-                <a:solidFill>
-                  <a:schemeClr val="accent1"/>
-                </a:solidFill>
-              </a:rPr>
-              <a:t>*</a:t>
-            </a:r>
-            <a:endParaRPr lang="en-US" dirty="0">
-              <a:solidFill>
-                <a:schemeClr val="accent1"/>
-              </a:solidFill>
-            </a:endParaRPr>
-          </a:p>
-        </p:txBody>
-      </p:sp>
-      <p:sp>
-        <p:nvSpPr>
-          <p:cNvPr id="96" name="TextBox 95"/>
-          <p:cNvSpPr txBox="1"/>
-          <p:nvPr/>
-        </p:nvSpPr>
-        <p:spPr>
-          <a:xfrm>
-            <a:off x="1650748" y="2668822"/>
-            <a:ext cx="301686" cy="369332"/>
-          </a:xfrm>
-          <a:prstGeom prst="rect">
-            <a:avLst/>
-          </a:prstGeom>
-          <a:noFill/>
-        </p:spPr>
-        <p:txBody>
-          <a:bodyPr wrap="none" rtlCol="0">
-            <a:spAutoFit/>
-          </a:bodyPr>
-          <a:lstStyle/>
-          <a:p>
-            <a:r>
-              <a:rPr lang="en-US" dirty="0" smtClean="0">
-                <a:solidFill>
-                  <a:schemeClr val="accent1"/>
-                </a:solidFill>
-              </a:rPr>
-              <a:t>*</a:t>
-            </a:r>
-            <a:endParaRPr lang="en-US" dirty="0">
-              <a:solidFill>
-                <a:schemeClr val="accent1"/>
-              </a:solidFill>
-            </a:endParaRPr>
-          </a:p>
-        </p:txBody>
-      </p:sp>
-      <p:sp>
-        <p:nvSpPr>
-          <p:cNvPr id="97" name="TextBox 96"/>
-          <p:cNvSpPr txBox="1"/>
-          <p:nvPr/>
-        </p:nvSpPr>
-        <p:spPr>
-          <a:xfrm>
-            <a:off x="1667685" y="3821834"/>
-            <a:ext cx="301686" cy="369332"/>
-          </a:xfrm>
-          <a:prstGeom prst="rect">
-            <a:avLst/>
-          </a:prstGeom>
-          <a:noFill/>
-        </p:spPr>
-        <p:txBody>
-          <a:bodyPr wrap="none" rtlCol="0">
-            <a:spAutoFit/>
-          </a:bodyPr>
-          <a:lstStyle/>
-          <a:p>
-            <a:r>
-              <a:rPr lang="en-US" dirty="0" smtClean="0">
-                <a:solidFill>
-                  <a:schemeClr val="accent1"/>
-                </a:solidFill>
-              </a:rPr>
-              <a:t>1</a:t>
-            </a:r>
-            <a:endParaRPr lang="en-US" dirty="0">
-              <a:solidFill>
-                <a:schemeClr val="accent1"/>
-              </a:solidFill>
-            </a:endParaRPr>
-          </a:p>
-        </p:txBody>
-      </p:sp>
-      <p:sp>
-        <p:nvSpPr>
-          <p:cNvPr id="98" name="TextBox 97"/>
-          <p:cNvSpPr txBox="1"/>
-          <p:nvPr/>
-        </p:nvSpPr>
-        <p:spPr>
-          <a:xfrm>
-            <a:off x="577750" y="830929"/>
-            <a:ext cx="405880" cy="338554"/>
-          </a:xfrm>
-          <a:prstGeom prst="rect">
-            <a:avLst/>
-          </a:prstGeom>
-          <a:noFill/>
-        </p:spPr>
-        <p:txBody>
-          <a:bodyPr wrap="none" rtlCol="0">
-            <a:spAutoFit/>
-          </a:bodyPr>
-          <a:lstStyle/>
-          <a:p>
-            <a:r>
-              <a:rPr lang="en-US" sz="1600" b="1" dirty="0" smtClean="0">
-                <a:solidFill>
-                  <a:schemeClr val="accent2"/>
-                </a:solidFill>
-              </a:rPr>
-              <a:t>PK</a:t>
-            </a:r>
-            <a:endParaRPr lang="en-US" sz="1600" b="1" dirty="0">
-              <a:solidFill>
-                <a:schemeClr val="accent2"/>
-              </a:solidFill>
-            </a:endParaRPr>
-          </a:p>
-        </p:txBody>
-      </p:sp>
-      <p:sp>
-        <p:nvSpPr>
-          <p:cNvPr id="99" name="TextBox 98"/>
-          <p:cNvSpPr txBox="1"/>
-          <p:nvPr/>
-        </p:nvSpPr>
-        <p:spPr>
-          <a:xfrm>
-            <a:off x="587580" y="4800199"/>
-            <a:ext cx="405880" cy="338554"/>
-          </a:xfrm>
-          <a:prstGeom prst="rect">
-            <a:avLst/>
-          </a:prstGeom>
-          <a:noFill/>
-        </p:spPr>
-        <p:txBody>
-          <a:bodyPr wrap="none" rtlCol="0">
-            <a:spAutoFit/>
-          </a:bodyPr>
-          <a:lstStyle/>
-          <a:p>
-            <a:r>
-              <a:rPr lang="en-US" sz="1600" b="1" dirty="0" smtClean="0">
-                <a:solidFill>
-                  <a:schemeClr val="accent2"/>
-                </a:solidFill>
-              </a:rPr>
-              <a:t>PK</a:t>
-            </a:r>
-            <a:endParaRPr lang="en-US" sz="1600" b="1" dirty="0">
-              <a:solidFill>
-                <a:schemeClr val="accent2"/>
-              </a:solidFill>
-            </a:endParaRPr>
-          </a:p>
-        </p:txBody>
-      </p:sp>
-      <p:sp>
-        <p:nvSpPr>
-          <p:cNvPr id="100" name="TextBox 99"/>
-          <p:cNvSpPr txBox="1"/>
-          <p:nvPr/>
-        </p:nvSpPr>
-        <p:spPr>
-          <a:xfrm>
-            <a:off x="3273405" y="811222"/>
-            <a:ext cx="405880" cy="338554"/>
-          </a:xfrm>
-          <a:prstGeom prst="rect">
-            <a:avLst/>
-          </a:prstGeom>
-          <a:noFill/>
-        </p:spPr>
-        <p:txBody>
-          <a:bodyPr wrap="none" rtlCol="0">
-            <a:spAutoFit/>
-          </a:bodyPr>
-          <a:lstStyle/>
-          <a:p>
-            <a:r>
-              <a:rPr lang="en-US" sz="1600" b="1" dirty="0" smtClean="0">
-                <a:solidFill>
-                  <a:schemeClr val="accent2"/>
-                </a:solidFill>
-              </a:rPr>
-              <a:t>PK</a:t>
-            </a:r>
-            <a:endParaRPr lang="en-US" sz="1600" b="1" dirty="0">
-              <a:solidFill>
-                <a:schemeClr val="accent2"/>
-              </a:solidFill>
-            </a:endParaRPr>
-          </a:p>
-        </p:txBody>
-      </p:sp>
-      <p:sp>
-        <p:nvSpPr>
-          <p:cNvPr id="101" name="TextBox 100"/>
-          <p:cNvSpPr txBox="1"/>
-          <p:nvPr/>
-        </p:nvSpPr>
-        <p:spPr>
-          <a:xfrm>
-            <a:off x="5924503" y="821611"/>
-            <a:ext cx="405880" cy="338554"/>
-          </a:xfrm>
-          <a:prstGeom prst="rect">
-            <a:avLst/>
-          </a:prstGeom>
-          <a:noFill/>
-        </p:spPr>
-        <p:txBody>
-          <a:bodyPr wrap="none" rtlCol="0">
-            <a:spAutoFit/>
-          </a:bodyPr>
-          <a:lstStyle/>
-          <a:p>
-            <a:r>
-              <a:rPr lang="en-US" sz="1600" b="1" dirty="0" smtClean="0">
-                <a:solidFill>
-                  <a:schemeClr val="accent2"/>
-                </a:solidFill>
-              </a:rPr>
-              <a:t>PK</a:t>
-            </a:r>
-            <a:endParaRPr lang="en-US" sz="1600" b="1" dirty="0">
-              <a:solidFill>
-                <a:schemeClr val="accent2"/>
-              </a:solidFill>
-            </a:endParaRPr>
-          </a:p>
-        </p:txBody>
-      </p:sp>
-      <p:sp>
-        <p:nvSpPr>
-          <p:cNvPr id="102" name="TextBox 101"/>
-          <p:cNvSpPr txBox="1"/>
-          <p:nvPr/>
-        </p:nvSpPr>
-        <p:spPr>
-          <a:xfrm>
-            <a:off x="9188123" y="783421"/>
-            <a:ext cx="405880" cy="338554"/>
-          </a:xfrm>
-          <a:prstGeom prst="rect">
-            <a:avLst/>
-          </a:prstGeom>
-          <a:noFill/>
-        </p:spPr>
-        <p:txBody>
-          <a:bodyPr wrap="none" rtlCol="0">
-            <a:spAutoFit/>
-          </a:bodyPr>
-          <a:lstStyle/>
-          <a:p>
-            <a:r>
-              <a:rPr lang="en-US" sz="1600" b="1" dirty="0" smtClean="0">
-                <a:solidFill>
-                  <a:schemeClr val="accent2"/>
-                </a:solidFill>
-              </a:rPr>
-              <a:t>PK</a:t>
-            </a:r>
-            <a:endParaRPr lang="en-US" sz="1600" b="1" dirty="0">
-              <a:solidFill>
-                <a:schemeClr val="accent2"/>
-              </a:solidFill>
-            </a:endParaRPr>
-          </a:p>
-        </p:txBody>
-      </p:sp>
-      <p:sp>
-        <p:nvSpPr>
-          <p:cNvPr id="103" name="TextBox 102"/>
-          <p:cNvSpPr txBox="1"/>
-          <p:nvPr/>
-        </p:nvSpPr>
-        <p:spPr>
-          <a:xfrm>
-            <a:off x="6001050" y="4693530"/>
-            <a:ext cx="405880" cy="338554"/>
-          </a:xfrm>
-          <a:prstGeom prst="rect">
-            <a:avLst/>
-          </a:prstGeom>
-          <a:noFill/>
-        </p:spPr>
-        <p:txBody>
-          <a:bodyPr wrap="none" rtlCol="0">
-            <a:spAutoFit/>
-          </a:bodyPr>
-          <a:lstStyle/>
-          <a:p>
-            <a:r>
-              <a:rPr lang="en-US" sz="1600" b="1" dirty="0" smtClean="0">
-                <a:solidFill>
-                  <a:schemeClr val="accent2"/>
-                </a:solidFill>
-              </a:rPr>
-              <a:t>PK</a:t>
-            </a:r>
-            <a:endParaRPr lang="en-US" sz="1600" b="1" dirty="0">
-              <a:solidFill>
-                <a:schemeClr val="accent2"/>
-              </a:solidFill>
-            </a:endParaRPr>
-          </a:p>
-        </p:txBody>
-      </p:sp>
-      <p:sp>
-        <p:nvSpPr>
-          <p:cNvPr id="104" name="TextBox 103"/>
-          <p:cNvSpPr txBox="1"/>
-          <p:nvPr/>
-        </p:nvSpPr>
-        <p:spPr>
-          <a:xfrm>
-            <a:off x="936060" y="1617174"/>
-            <a:ext cx="1002069" cy="369332"/>
-          </a:xfrm>
-          <a:prstGeom prst="rect">
-            <a:avLst/>
-          </a:prstGeom>
-          <a:noFill/>
-        </p:spPr>
-        <p:txBody>
-          <a:bodyPr wrap="none" rtlCol="0">
-            <a:spAutoFit/>
-          </a:bodyPr>
-          <a:lstStyle/>
-          <a:p>
-            <a:r>
-              <a:rPr lang="en-US" dirty="0" smtClean="0"/>
-              <a:t>batch_id</a:t>
-            </a:r>
-            <a:endParaRPr lang="en-US" dirty="0"/>
-          </a:p>
-        </p:txBody>
-      </p:sp>
-      <p:sp>
-        <p:nvSpPr>
-          <p:cNvPr id="105" name="TextBox 104"/>
-          <p:cNvSpPr txBox="1"/>
-          <p:nvPr/>
-        </p:nvSpPr>
-        <p:spPr>
-          <a:xfrm>
-            <a:off x="619753" y="1623472"/>
-            <a:ext cx="391454" cy="338554"/>
-          </a:xfrm>
-          <a:prstGeom prst="rect">
-            <a:avLst/>
-          </a:prstGeom>
-          <a:noFill/>
-        </p:spPr>
-        <p:txBody>
-          <a:bodyPr wrap="none" rtlCol="0">
-            <a:spAutoFit/>
-          </a:bodyPr>
-          <a:lstStyle/>
-          <a:p>
-            <a:r>
-              <a:rPr lang="en-US" sz="1600" b="1" dirty="0" smtClean="0">
-                <a:solidFill>
-                  <a:srgbClr val="7030A0"/>
-                </a:solidFill>
-              </a:rPr>
-              <a:t>FK</a:t>
-            </a:r>
-            <a:endParaRPr lang="en-US" sz="1600" b="1" dirty="0">
-              <a:solidFill>
-                <a:srgbClr val="7030A0"/>
-              </a:solidFill>
-            </a:endParaRPr>
-          </a:p>
-        </p:txBody>
-      </p:sp>
-      <p:sp>
-        <p:nvSpPr>
-          <p:cNvPr id="106" name="TextBox 105"/>
-          <p:cNvSpPr txBox="1"/>
-          <p:nvPr/>
-        </p:nvSpPr>
-        <p:spPr>
-          <a:xfrm>
-            <a:off x="3674846" y="2113379"/>
-            <a:ext cx="915635" cy="369332"/>
-          </a:xfrm>
-          <a:prstGeom prst="rect">
-            <a:avLst/>
-          </a:prstGeom>
-          <a:noFill/>
-        </p:spPr>
-        <p:txBody>
-          <a:bodyPr wrap="none" rtlCol="0">
-            <a:spAutoFit/>
-          </a:bodyPr>
-          <a:lstStyle/>
-          <a:p>
-            <a:r>
-              <a:rPr lang="en-US" dirty="0" smtClean="0"/>
-              <a:t>class_id</a:t>
-            </a:r>
-            <a:endParaRPr lang="en-US" dirty="0"/>
-          </a:p>
-        </p:txBody>
-      </p:sp>
-      <p:sp>
-        <p:nvSpPr>
-          <p:cNvPr id="107" name="TextBox 106"/>
-          <p:cNvSpPr txBox="1"/>
-          <p:nvPr/>
-        </p:nvSpPr>
-        <p:spPr>
-          <a:xfrm>
-            <a:off x="3358539" y="2119677"/>
-            <a:ext cx="391454" cy="338554"/>
-          </a:xfrm>
-          <a:prstGeom prst="rect">
-            <a:avLst/>
-          </a:prstGeom>
-          <a:noFill/>
-        </p:spPr>
-        <p:txBody>
-          <a:bodyPr wrap="none" rtlCol="0">
-            <a:spAutoFit/>
-          </a:bodyPr>
-          <a:lstStyle/>
-          <a:p>
-            <a:r>
-              <a:rPr lang="en-US" sz="1600" b="1" dirty="0" smtClean="0">
-                <a:solidFill>
-                  <a:srgbClr val="7030A0"/>
-                </a:solidFill>
-              </a:rPr>
-              <a:t>FK</a:t>
-            </a:r>
-            <a:endParaRPr lang="en-US" sz="1600" b="1" dirty="0">
-              <a:solidFill>
-                <a:srgbClr val="7030A0"/>
-              </a:solidFill>
-            </a:endParaRPr>
-          </a:p>
-        </p:txBody>
-      </p:sp>
-      <p:sp>
-        <p:nvSpPr>
-          <p:cNvPr id="108" name="TextBox 107"/>
-          <p:cNvSpPr txBox="1"/>
-          <p:nvPr/>
-        </p:nvSpPr>
-        <p:spPr>
-          <a:xfrm>
-            <a:off x="6257853" y="1483685"/>
-            <a:ext cx="1194686" cy="369332"/>
-          </a:xfrm>
-          <a:prstGeom prst="rect">
-            <a:avLst/>
-          </a:prstGeom>
-          <a:noFill/>
-        </p:spPr>
-        <p:txBody>
-          <a:bodyPr wrap="none" rtlCol="0">
-            <a:spAutoFit/>
-          </a:bodyPr>
-          <a:lstStyle/>
-          <a:p>
-            <a:r>
-              <a:rPr lang="en-US" dirty="0" err="1" smtClean="0"/>
-              <a:t>student_id</a:t>
-            </a:r>
-            <a:endParaRPr lang="en-US" dirty="0"/>
-          </a:p>
-        </p:txBody>
-      </p:sp>
-      <p:sp>
-        <p:nvSpPr>
-          <p:cNvPr id="109" name="TextBox 108"/>
-          <p:cNvSpPr txBox="1"/>
-          <p:nvPr/>
-        </p:nvSpPr>
-        <p:spPr>
-          <a:xfrm>
-            <a:off x="5977770" y="1489361"/>
-            <a:ext cx="391454" cy="338554"/>
-          </a:xfrm>
-          <a:prstGeom prst="rect">
-            <a:avLst/>
-          </a:prstGeom>
-          <a:noFill/>
-        </p:spPr>
-        <p:txBody>
-          <a:bodyPr wrap="none" rtlCol="0">
-            <a:spAutoFit/>
-          </a:bodyPr>
-          <a:lstStyle/>
-          <a:p>
-            <a:r>
-              <a:rPr lang="en-US" sz="1600" b="1" dirty="0" smtClean="0">
-                <a:solidFill>
-                  <a:srgbClr val="7030A0"/>
-                </a:solidFill>
-              </a:rPr>
-              <a:t>FK</a:t>
-            </a:r>
-            <a:endParaRPr lang="en-US" sz="1600" b="1" dirty="0">
-              <a:solidFill>
-                <a:srgbClr val="7030A0"/>
-              </a:solidFill>
-            </a:endParaRPr>
-          </a:p>
-        </p:txBody>
-      </p:sp>
-      <p:sp>
-        <p:nvSpPr>
-          <p:cNvPr id="110" name="TextBox 109"/>
-          <p:cNvSpPr txBox="1"/>
-          <p:nvPr/>
-        </p:nvSpPr>
-        <p:spPr>
-          <a:xfrm>
-            <a:off x="6253182" y="1790609"/>
-            <a:ext cx="943848" cy="369332"/>
-          </a:xfrm>
-          <a:prstGeom prst="rect">
-            <a:avLst/>
-          </a:prstGeom>
-          <a:noFill/>
-        </p:spPr>
-        <p:txBody>
-          <a:bodyPr wrap="none" rtlCol="0">
-            <a:spAutoFit/>
-          </a:bodyPr>
-          <a:lstStyle/>
-          <a:p>
-            <a:r>
-              <a:rPr lang="en-US" dirty="0" err="1" smtClean="0"/>
-              <a:t>topic_id</a:t>
-            </a:r>
-            <a:endParaRPr lang="en-US" dirty="0"/>
-          </a:p>
-        </p:txBody>
-      </p:sp>
-      <p:sp>
-        <p:nvSpPr>
-          <p:cNvPr id="111" name="TextBox 110"/>
-          <p:cNvSpPr txBox="1"/>
-          <p:nvPr/>
-        </p:nvSpPr>
-        <p:spPr>
-          <a:xfrm>
-            <a:off x="5961902" y="1814011"/>
-            <a:ext cx="391454" cy="338554"/>
-          </a:xfrm>
-          <a:prstGeom prst="rect">
-            <a:avLst/>
-          </a:prstGeom>
-          <a:noFill/>
-        </p:spPr>
-        <p:txBody>
-          <a:bodyPr wrap="none" rtlCol="0">
-            <a:spAutoFit/>
-          </a:bodyPr>
-          <a:lstStyle/>
-          <a:p>
-            <a:r>
-              <a:rPr lang="en-US" sz="1600" b="1" dirty="0" smtClean="0">
-                <a:solidFill>
-                  <a:srgbClr val="7030A0"/>
-                </a:solidFill>
-              </a:rPr>
-              <a:t>FK</a:t>
-            </a:r>
-            <a:endParaRPr lang="en-US" sz="1600" b="1" dirty="0">
-              <a:solidFill>
-                <a:srgbClr val="7030A0"/>
-              </a:solidFill>
-            </a:endParaRPr>
-          </a:p>
-        </p:txBody>
-      </p:sp>
-      <p:sp>
-        <p:nvSpPr>
-          <p:cNvPr id="112" name="TextBox 111"/>
-          <p:cNvSpPr txBox="1"/>
-          <p:nvPr/>
-        </p:nvSpPr>
-        <p:spPr>
-          <a:xfrm>
-            <a:off x="6257853" y="2137900"/>
-            <a:ext cx="1510991" cy="369332"/>
-          </a:xfrm>
-          <a:prstGeom prst="rect">
-            <a:avLst/>
-          </a:prstGeom>
-          <a:noFill/>
-        </p:spPr>
-        <p:txBody>
-          <a:bodyPr wrap="none" rtlCol="0">
-            <a:spAutoFit/>
-          </a:bodyPr>
-          <a:lstStyle/>
-          <a:p>
-            <a:r>
-              <a:rPr lang="en-US" dirty="0" err="1" smtClean="0"/>
-              <a:t>exam_type_id</a:t>
-            </a:r>
-            <a:endParaRPr lang="en-US" dirty="0"/>
-          </a:p>
-        </p:txBody>
-      </p:sp>
-      <p:sp>
-        <p:nvSpPr>
-          <p:cNvPr id="113" name="TextBox 112"/>
-          <p:cNvSpPr txBox="1"/>
-          <p:nvPr/>
-        </p:nvSpPr>
-        <p:spPr>
-          <a:xfrm>
-            <a:off x="5953321" y="2167847"/>
-            <a:ext cx="391454" cy="338554"/>
-          </a:xfrm>
-          <a:prstGeom prst="rect">
-            <a:avLst/>
-          </a:prstGeom>
-          <a:noFill/>
-        </p:spPr>
-        <p:txBody>
-          <a:bodyPr wrap="none" rtlCol="0">
-            <a:spAutoFit/>
-          </a:bodyPr>
-          <a:lstStyle/>
-          <a:p>
-            <a:r>
-              <a:rPr lang="en-US" sz="1600" b="1" dirty="0" smtClean="0">
-                <a:solidFill>
-                  <a:srgbClr val="7030A0"/>
-                </a:solidFill>
-              </a:rPr>
-              <a:t>FK</a:t>
-            </a:r>
-            <a:endParaRPr lang="en-US" sz="1600" b="1" dirty="0">
-              <a:solidFill>
-                <a:srgbClr val="7030A0"/>
-              </a:solidFill>
-            </a:endParaRPr>
-          </a:p>
-        </p:txBody>
-      </p:sp>
     </p:spTree>
     <p:extLst>
       <p:ext uri="{BB962C8B-B14F-4D97-AF65-F5344CB8AC3E}">

--- a/docs/ER-DIAGRAM.pptx
+++ b/docs/ER-DIAGRAM.pptx
@@ -242,7 +242,7 @@
           <a:p>
             <a:fld id="{28BE630F-C39C-4DB9-8258-0B48CA067079}" type="datetimeFigureOut">
               <a:rPr lang="en-US" smtClean="0"/>
-              <a:t>11/26/2021</a:t>
+              <a:t>11/27/2021</a:t>
             </a:fld>
             <a:endParaRPr lang="en-US"/>
           </a:p>
@@ -410,7 +410,7 @@
           <a:p>
             <a:fld id="{28BE630F-C39C-4DB9-8258-0B48CA067079}" type="datetimeFigureOut">
               <a:rPr lang="en-US" smtClean="0"/>
-              <a:t>11/26/2021</a:t>
+              <a:t>11/27/2021</a:t>
             </a:fld>
             <a:endParaRPr lang="en-US"/>
           </a:p>
@@ -588,7 +588,7 @@
           <a:p>
             <a:fld id="{28BE630F-C39C-4DB9-8258-0B48CA067079}" type="datetimeFigureOut">
               <a:rPr lang="en-US" smtClean="0"/>
-              <a:t>11/26/2021</a:t>
+              <a:t>11/27/2021</a:t>
             </a:fld>
             <a:endParaRPr lang="en-US"/>
           </a:p>
@@ -756,7 +756,7 @@
           <a:p>
             <a:fld id="{28BE630F-C39C-4DB9-8258-0B48CA067079}" type="datetimeFigureOut">
               <a:rPr lang="en-US" smtClean="0"/>
-              <a:t>11/26/2021</a:t>
+              <a:t>11/27/2021</a:t>
             </a:fld>
             <a:endParaRPr lang="en-US"/>
           </a:p>
@@ -1001,7 +1001,7 @@
           <a:p>
             <a:fld id="{28BE630F-C39C-4DB9-8258-0B48CA067079}" type="datetimeFigureOut">
               <a:rPr lang="en-US" smtClean="0"/>
-              <a:t>11/26/2021</a:t>
+              <a:t>11/27/2021</a:t>
             </a:fld>
             <a:endParaRPr lang="en-US"/>
           </a:p>
@@ -1230,7 +1230,7 @@
           <a:p>
             <a:fld id="{28BE630F-C39C-4DB9-8258-0B48CA067079}" type="datetimeFigureOut">
               <a:rPr lang="en-US" smtClean="0"/>
-              <a:t>11/26/2021</a:t>
+              <a:t>11/27/2021</a:t>
             </a:fld>
             <a:endParaRPr lang="en-US"/>
           </a:p>
@@ -1594,7 +1594,7 @@
           <a:p>
             <a:fld id="{28BE630F-C39C-4DB9-8258-0B48CA067079}" type="datetimeFigureOut">
               <a:rPr lang="en-US" smtClean="0"/>
-              <a:t>11/26/2021</a:t>
+              <a:t>11/27/2021</a:t>
             </a:fld>
             <a:endParaRPr lang="en-US"/>
           </a:p>
@@ -1711,7 +1711,7 @@
           <a:p>
             <a:fld id="{28BE630F-C39C-4DB9-8258-0B48CA067079}" type="datetimeFigureOut">
               <a:rPr lang="en-US" smtClean="0"/>
-              <a:t>11/26/2021</a:t>
+              <a:t>11/27/2021</a:t>
             </a:fld>
             <a:endParaRPr lang="en-US"/>
           </a:p>
@@ -1806,7 +1806,7 @@
           <a:p>
             <a:fld id="{28BE630F-C39C-4DB9-8258-0B48CA067079}" type="datetimeFigureOut">
               <a:rPr lang="en-US" smtClean="0"/>
-              <a:t>11/26/2021</a:t>
+              <a:t>11/27/2021</a:t>
             </a:fld>
             <a:endParaRPr lang="en-US"/>
           </a:p>
@@ -2081,7 +2081,7 @@
           <a:p>
             <a:fld id="{28BE630F-C39C-4DB9-8258-0B48CA067079}" type="datetimeFigureOut">
               <a:rPr lang="en-US" smtClean="0"/>
-              <a:t>11/26/2021</a:t>
+              <a:t>11/27/2021</a:t>
             </a:fld>
             <a:endParaRPr lang="en-US"/>
           </a:p>
@@ -2333,7 +2333,7 @@
           <a:p>
             <a:fld id="{28BE630F-C39C-4DB9-8258-0B48CA067079}" type="datetimeFigureOut">
               <a:rPr lang="en-US" smtClean="0"/>
-              <a:t>11/26/2021</a:t>
+              <a:t>11/27/2021</a:t>
             </a:fld>
             <a:endParaRPr lang="en-US"/>
           </a:p>
@@ -2544,7 +2544,7 @@
           <a:p>
             <a:fld id="{28BE630F-C39C-4DB9-8258-0B48CA067079}" type="datetimeFigureOut">
               <a:rPr lang="en-US" smtClean="0"/>
-              <a:t>11/26/2021</a:t>
+              <a:t>11/27/2021</a:t>
             </a:fld>
             <a:endParaRPr lang="en-US"/>
           </a:p>
@@ -3219,7 +3219,7 @@
           <p:nvPr>
             <p:extLst>
               <p:ext uri="{D42A27DB-BD31-4B8C-83A1-F6EECF244321}">
-                <p14:modId xmlns:p14="http://schemas.microsoft.com/office/powerpoint/2010/main" val="3122522245"/>
+                <p14:modId xmlns:p14="http://schemas.microsoft.com/office/powerpoint/2010/main" val="2561152601"/>
               </p:ext>
             </p:extLst>
           </p:nvPr>
@@ -3456,7 +3456,7 @@
           <p:nvPr>
             <p:extLst>
               <p:ext uri="{D42A27DB-BD31-4B8C-83A1-F6EECF244321}">
-                <p14:modId xmlns:p14="http://schemas.microsoft.com/office/powerpoint/2010/main" val="2480202304"/>
+                <p14:modId xmlns:p14="http://schemas.microsoft.com/office/powerpoint/2010/main" val="3185307100"/>
               </p:ext>
             </p:extLst>
           </p:nvPr>
@@ -3712,10 +3712,32 @@
                     <a:bodyPr/>
                     <a:lstStyle/>
                     <a:p>
+                      <a:pPr marL="0" marR="0" lvl="0" indent="0" algn="l" defTabSz="914400" rtl="0" eaLnBrk="1" fontAlgn="auto" latinLnBrk="0" hangingPunct="1">
+                        <a:lnSpc>
+                          <a:spcPct val="100000"/>
+                        </a:lnSpc>
+                        <a:spcBef>
+                          <a:spcPts val="0"/>
+                        </a:spcBef>
+                        <a:spcAft>
+                          <a:spcPts val="0"/>
+                        </a:spcAft>
+                        <a:buClrTx/>
+                        <a:buSzTx/>
+                        <a:buFontTx/>
+                        <a:buNone/>
+                        <a:tabLst/>
+                        <a:defRPr/>
+                      </a:pPr>
                       <a:r>
                         <a:rPr lang="en-US" dirty="0"/>
-                        <a:t>Category: string</a:t>
+                        <a:t>Category: </a:t>
                       </a:r>
+                      <a:r>
+                        <a:rPr lang="en-US" dirty="0" err="1"/>
+                        <a:t>Catagoreis</a:t>
+                      </a:r>
+                      <a:endParaRPr lang="en-US" dirty="0"/>
                     </a:p>
                   </a:txBody>
                   <a:tcPr/>
@@ -3848,7 +3870,7 @@
         <p:spPr>
           <a:xfrm>
             <a:off x="4168961" y="1982216"/>
-            <a:ext cx="375771" cy="523220"/>
+            <a:ext cx="375771" cy="400110"/>
           </a:xfrm>
           <a:prstGeom prst="rect">
             <a:avLst/>
@@ -3862,7 +3884,7 @@
           <a:lstStyle/>
           <a:p>
             <a:r>
-              <a:rPr lang="en-US" sz="2800" dirty="0">
+              <a:rPr lang="en-US" sz="2000" dirty="0">
                 <a:solidFill>
                   <a:srgbClr val="FF0000"/>
                 </a:solidFill>
@@ -3912,6 +3934,259 @@
           </a:fontRef>
         </p:style>
       </p:cxnSp>
+      <p:graphicFrame>
+        <p:nvGraphicFramePr>
+          <p:cNvPr id="8" name="Table 7">
+            <a:extLst>
+              <a:ext uri="{FF2B5EF4-FFF2-40B4-BE49-F238E27FC236}">
+                <a16:creationId xmlns:a16="http://schemas.microsoft.com/office/drawing/2014/main" id="{A8DB779E-F8B2-413F-BEA0-5CC6900748F9}"/>
+              </a:ext>
+            </a:extLst>
+          </p:cNvPr>
+          <p:cNvGraphicFramePr>
+            <a:graphicFrameLocks noGrp="1"/>
+          </p:cNvGraphicFramePr>
+          <p:nvPr>
+            <p:extLst>
+              <p:ext uri="{D42A27DB-BD31-4B8C-83A1-F6EECF244321}">
+                <p14:modId xmlns:p14="http://schemas.microsoft.com/office/powerpoint/2010/main" val="1477992484"/>
+              </p:ext>
+            </p:extLst>
+          </p:nvPr>
+        </p:nvGraphicFramePr>
+        <p:xfrm>
+          <a:off x="2256678" y="4577379"/>
+          <a:ext cx="2741706" cy="1463040"/>
+        </p:xfrm>
+        <a:graphic>
+          <a:graphicData uri="http://schemas.openxmlformats.org/drawingml/2006/table">
+            <a:tbl>
+              <a:tblPr firstRow="1" bandRow="1">
+                <a:tableStyleId>{5C22544A-7EE6-4342-B048-85BDC9FD1C3A}</a:tableStyleId>
+              </a:tblPr>
+              <a:tblGrid>
+                <a:gridCol w="2741706">
+                  <a:extLst>
+                    <a:ext uri="{9D8B030D-6E8A-4147-A177-3AD203B41FA5}">
+                      <a16:colId xmlns:a16="http://schemas.microsoft.com/office/drawing/2014/main" val="2093408568"/>
+                    </a:ext>
+                  </a:extLst>
+                </a:gridCol>
+              </a:tblGrid>
+              <a:tr h="251731">
+                <a:tc>
+                  <a:txBody>
+                    <a:bodyPr/>
+                    <a:lstStyle/>
+                    <a:p>
+                      <a:pPr algn="ctr"/>
+                      <a:r>
+                        <a:rPr lang="en-US" dirty="0" err="1"/>
+                        <a:t>Catagoreis</a:t>
+                      </a:r>
+                      <a:endParaRPr lang="en-US" dirty="0"/>
+                    </a:p>
+                  </a:txBody>
+                  <a:tcPr/>
+                </a:tc>
+                <a:extLst>
+                  <a:ext uri="{0D108BD9-81ED-4DB2-BD59-A6C34878D82A}">
+                    <a16:rowId xmlns:a16="http://schemas.microsoft.com/office/drawing/2014/main" val="3569849909"/>
+                  </a:ext>
+                </a:extLst>
+              </a:tr>
+              <a:tr h="251731">
+                <a:tc>
+                  <a:txBody>
+                    <a:bodyPr/>
+                    <a:lstStyle/>
+                    <a:p>
+                      <a:r>
+                        <a:rPr lang="en-US" dirty="0" err="1"/>
+                        <a:t>Catagory_id</a:t>
+                      </a:r>
+                      <a:r>
+                        <a:rPr lang="en-US" dirty="0"/>
+                        <a:t>: INT</a:t>
+                      </a:r>
+                    </a:p>
+                  </a:txBody>
+                  <a:tcPr/>
+                </a:tc>
+                <a:extLst>
+                  <a:ext uri="{0D108BD9-81ED-4DB2-BD59-A6C34878D82A}">
+                    <a16:rowId xmlns:a16="http://schemas.microsoft.com/office/drawing/2014/main" val="270703987"/>
+                  </a:ext>
+                </a:extLst>
+              </a:tr>
+              <a:tr h="251731">
+                <a:tc>
+                  <a:txBody>
+                    <a:bodyPr/>
+                    <a:lstStyle/>
+                    <a:p>
+                      <a:r>
+                        <a:rPr lang="en-US" dirty="0" err="1"/>
+                        <a:t>Name_category</a:t>
+                      </a:r>
+                      <a:r>
+                        <a:rPr lang="en-US" dirty="0"/>
+                        <a:t>: string</a:t>
+                      </a:r>
+                    </a:p>
+                  </a:txBody>
+                  <a:tcPr/>
+                </a:tc>
+                <a:extLst>
+                  <a:ext uri="{0D108BD9-81ED-4DB2-BD59-A6C34878D82A}">
+                    <a16:rowId xmlns:a16="http://schemas.microsoft.com/office/drawing/2014/main" val="869190841"/>
+                  </a:ext>
+                </a:extLst>
+              </a:tr>
+              <a:tr h="251731">
+                <a:tc>
+                  <a:txBody>
+                    <a:bodyPr/>
+                    <a:lstStyle/>
+                    <a:p>
+                      <a:r>
+                        <a:rPr lang="en-US" dirty="0" err="1"/>
+                        <a:t>Last_name</a:t>
+                      </a:r>
+                      <a:r>
+                        <a:rPr lang="en-US" dirty="0"/>
+                        <a:t>: string</a:t>
+                      </a:r>
+                    </a:p>
+                  </a:txBody>
+                  <a:tcPr/>
+                </a:tc>
+                <a:extLst>
+                  <a:ext uri="{0D108BD9-81ED-4DB2-BD59-A6C34878D82A}">
+                    <a16:rowId xmlns:a16="http://schemas.microsoft.com/office/drawing/2014/main" val="1573799995"/>
+                  </a:ext>
+                </a:extLst>
+              </a:tr>
+            </a:tbl>
+          </a:graphicData>
+        </a:graphic>
+      </p:graphicFrame>
+      <p:cxnSp>
+        <p:nvCxnSpPr>
+          <p:cNvPr id="9" name="Straight Connector 8">
+            <a:extLst>
+              <a:ext uri="{FF2B5EF4-FFF2-40B4-BE49-F238E27FC236}">
+                <a16:creationId xmlns:a16="http://schemas.microsoft.com/office/drawing/2014/main" id="{721F2D07-D9BF-4904-8E5E-513F8E5E0A9A}"/>
+              </a:ext>
+            </a:extLst>
+          </p:cNvPr>
+          <p:cNvCxnSpPr>
+            <a:cxnSpLocks/>
+          </p:cNvCxnSpPr>
+          <p:nvPr/>
+        </p:nvCxnSpPr>
+        <p:spPr>
+          <a:xfrm>
+            <a:off x="4944969" y="5041552"/>
+            <a:ext cx="1591795" cy="0"/>
+          </a:xfrm>
+          <a:prstGeom prst="line">
+            <a:avLst/>
+          </a:prstGeom>
+        </p:spPr>
+        <p:style>
+          <a:lnRef idx="1">
+            <a:schemeClr val="accent1"/>
+          </a:lnRef>
+          <a:fillRef idx="0">
+            <a:schemeClr val="accent1"/>
+          </a:fillRef>
+          <a:effectRef idx="0">
+            <a:schemeClr val="accent1"/>
+          </a:effectRef>
+          <a:fontRef idx="minor">
+            <a:schemeClr val="tx1"/>
+          </a:fontRef>
+        </p:style>
+      </p:cxnSp>
+      <p:sp>
+        <p:nvSpPr>
+          <p:cNvPr id="10" name="TextBox 9">
+            <a:extLst>
+              <a:ext uri="{FF2B5EF4-FFF2-40B4-BE49-F238E27FC236}">
+                <a16:creationId xmlns:a16="http://schemas.microsoft.com/office/drawing/2014/main" id="{43D2295D-32AE-4796-BBF2-35F60477B54A}"/>
+              </a:ext>
+            </a:extLst>
+          </p:cNvPr>
+          <p:cNvSpPr txBox="1"/>
+          <p:nvPr/>
+        </p:nvSpPr>
+        <p:spPr>
+          <a:xfrm>
+            <a:off x="4942726" y="5068446"/>
+            <a:ext cx="375771" cy="400110"/>
+          </a:xfrm>
+          <a:prstGeom prst="rect">
+            <a:avLst/>
+          </a:prstGeom>
+          <a:noFill/>
+        </p:spPr>
+        <p:txBody>
+          <a:bodyPr wrap="square" rtlCol="0">
+            <a:spAutoFit/>
+          </a:bodyPr>
+          <a:lstStyle/>
+          <a:p>
+            <a:r>
+              <a:rPr lang="en-US" sz="2000" dirty="0">
+                <a:solidFill>
+                  <a:srgbClr val="FF0000"/>
+                </a:solidFill>
+              </a:rPr>
+              <a:t>1</a:t>
+            </a:r>
+          </a:p>
+        </p:txBody>
+      </p:sp>
+      <p:sp>
+        <p:nvSpPr>
+          <p:cNvPr id="11" name="TextBox 10">
+            <a:extLst>
+              <a:ext uri="{FF2B5EF4-FFF2-40B4-BE49-F238E27FC236}">
+                <a16:creationId xmlns:a16="http://schemas.microsoft.com/office/drawing/2014/main" id="{03FD610D-01E4-4E12-8185-585B49DDEC0F}"/>
+              </a:ext>
+            </a:extLst>
+          </p:cNvPr>
+          <p:cNvSpPr txBox="1"/>
+          <p:nvPr/>
+        </p:nvSpPr>
+        <p:spPr>
+          <a:xfrm>
+            <a:off x="6216651" y="5041552"/>
+            <a:ext cx="375771" cy="400110"/>
+          </a:xfrm>
+          <a:prstGeom prst="rect">
+            <a:avLst/>
+          </a:prstGeom>
+          <a:noFill/>
+        </p:spPr>
+        <p:txBody>
+          <a:bodyPr wrap="square" rtlCol="0">
+            <a:spAutoFit/>
+          </a:bodyPr>
+          <a:lstStyle/>
+          <a:p>
+            <a:r>
+              <a:rPr lang="en-US" sz="2000" dirty="0">
+                <a:solidFill>
+                  <a:srgbClr val="FF0000"/>
+                </a:solidFill>
+              </a:rPr>
+              <a:t>1</a:t>
+            </a:r>
+          </a:p>
+        </p:txBody>
+      </p:sp>
     </p:spTree>
     <p:extLst>
       <p:ext uri="{BB962C8B-B14F-4D97-AF65-F5344CB8AC3E}">

--- a/docs/ER-DIAGRAM.pptx
+++ b/docs/ER-DIAGRAM.pptx
@@ -3456,14 +3456,14 @@
           <p:nvPr>
             <p:extLst>
               <p:ext uri="{D42A27DB-BD31-4B8C-83A1-F6EECF244321}">
-                <p14:modId xmlns:p14="http://schemas.microsoft.com/office/powerpoint/2010/main" val="3185307100"/>
+                <p14:modId xmlns:p14="http://schemas.microsoft.com/office/powerpoint/2010/main" val="3252801910"/>
               </p:ext>
             </p:extLst>
           </p:nvPr>
         </p:nvGraphicFramePr>
         <p:xfrm>
           <a:off x="6536764" y="554019"/>
-          <a:ext cx="2741706" cy="4754880"/>
+          <a:ext cx="2741706" cy="5120640"/>
         </p:xfrm>
         <a:graphic>
           <a:graphicData uri="http://schemas.openxmlformats.org/drawingml/2006/table">
@@ -3812,6 +3812,26 @@
                   </a:ext>
                 </a:extLst>
               </a:tr>
+              <a:tr h="232023">
+                <a:tc>
+                  <a:txBody>
+                    <a:bodyPr/>
+                    <a:lstStyle/>
+                    <a:p>
+                      <a:r>
+                        <a:rPr lang="en-US" dirty="0"/>
+                        <a:t>Image: string</a:t>
+                      </a:r>
+                    </a:p>
+                  </a:txBody>
+                  <a:tcPr/>
+                </a:tc>
+                <a:extLst>
+                  <a:ext uri="{0D108BD9-81ED-4DB2-BD59-A6C34878D82A}">
+                    <a16:rowId xmlns:a16="http://schemas.microsoft.com/office/drawing/2014/main" val="799974168"/>
+                  </a:ext>
+                </a:extLst>
+              </a:tr>
             </a:tbl>
           </a:graphicData>
         </a:graphic>

--- a/docs/ER-DIAGRAM.pptx
+++ b/docs/ER-DIAGRAM.pptx
@@ -3456,7 +3456,7 @@
           <p:nvPr>
             <p:extLst>
               <p:ext uri="{D42A27DB-BD31-4B8C-83A1-F6EECF244321}">
-                <p14:modId xmlns:p14="http://schemas.microsoft.com/office/powerpoint/2010/main" val="3252801910"/>
+                <p14:modId xmlns:p14="http://schemas.microsoft.com/office/powerpoint/2010/main" val="3633302462"/>
               </p:ext>
             </p:extLst>
           </p:nvPr>
@@ -3889,8 +3889,8 @@
         </p:nvSpPr>
         <p:spPr>
           <a:xfrm>
-            <a:off x="4168961" y="1982216"/>
-            <a:ext cx="375771" cy="400110"/>
+            <a:off x="4222376" y="2157766"/>
+            <a:ext cx="375771" cy="338554"/>
           </a:xfrm>
           <a:prstGeom prst="rect">
             <a:avLst/>
@@ -3904,7 +3904,7 @@
           <a:lstStyle/>
           <a:p>
             <a:r>
-              <a:rPr lang="en-US" sz="2000" dirty="0">
+              <a:rPr lang="en-US" sz="1600" dirty="0">
                 <a:solidFill>
                   <a:srgbClr val="FF0000"/>
                 </a:solidFill>

--- a/docs/ER-DIAGRAM.pptx
+++ b/docs/ER-DIAGRAM.pptx
@@ -242,7 +242,7 @@
           <a:p>
             <a:fld id="{28BE630F-C39C-4DB9-8258-0B48CA067079}" type="datetimeFigureOut">
               <a:rPr lang="en-US" smtClean="0"/>
-              <a:t>11/27/2021</a:t>
+              <a:t>11/29/2021</a:t>
             </a:fld>
             <a:endParaRPr lang="en-US"/>
           </a:p>
@@ -410,7 +410,7 @@
           <a:p>
             <a:fld id="{28BE630F-C39C-4DB9-8258-0B48CA067079}" type="datetimeFigureOut">
               <a:rPr lang="en-US" smtClean="0"/>
-              <a:t>11/27/2021</a:t>
+              <a:t>11/29/2021</a:t>
             </a:fld>
             <a:endParaRPr lang="en-US"/>
           </a:p>
@@ -588,7 +588,7 @@
           <a:p>
             <a:fld id="{28BE630F-C39C-4DB9-8258-0B48CA067079}" type="datetimeFigureOut">
               <a:rPr lang="en-US" smtClean="0"/>
-              <a:t>11/27/2021</a:t>
+              <a:t>11/29/2021</a:t>
             </a:fld>
             <a:endParaRPr lang="en-US"/>
           </a:p>
@@ -756,7 +756,7 @@
           <a:p>
             <a:fld id="{28BE630F-C39C-4DB9-8258-0B48CA067079}" type="datetimeFigureOut">
               <a:rPr lang="en-US" smtClean="0"/>
-              <a:t>11/27/2021</a:t>
+              <a:t>11/29/2021</a:t>
             </a:fld>
             <a:endParaRPr lang="en-US"/>
           </a:p>
@@ -1001,7 +1001,7 @@
           <a:p>
             <a:fld id="{28BE630F-C39C-4DB9-8258-0B48CA067079}" type="datetimeFigureOut">
               <a:rPr lang="en-US" smtClean="0"/>
-              <a:t>11/27/2021</a:t>
+              <a:t>11/29/2021</a:t>
             </a:fld>
             <a:endParaRPr lang="en-US"/>
           </a:p>
@@ -1230,7 +1230,7 @@
           <a:p>
             <a:fld id="{28BE630F-C39C-4DB9-8258-0B48CA067079}" type="datetimeFigureOut">
               <a:rPr lang="en-US" smtClean="0"/>
-              <a:t>11/27/2021</a:t>
+              <a:t>11/29/2021</a:t>
             </a:fld>
             <a:endParaRPr lang="en-US"/>
           </a:p>
@@ -1594,7 +1594,7 @@
           <a:p>
             <a:fld id="{28BE630F-C39C-4DB9-8258-0B48CA067079}" type="datetimeFigureOut">
               <a:rPr lang="en-US" smtClean="0"/>
-              <a:t>11/27/2021</a:t>
+              <a:t>11/29/2021</a:t>
             </a:fld>
             <a:endParaRPr lang="en-US"/>
           </a:p>
@@ -1711,7 +1711,7 @@
           <a:p>
             <a:fld id="{28BE630F-C39C-4DB9-8258-0B48CA067079}" type="datetimeFigureOut">
               <a:rPr lang="en-US" smtClean="0"/>
-              <a:t>11/27/2021</a:t>
+              <a:t>11/29/2021</a:t>
             </a:fld>
             <a:endParaRPr lang="en-US"/>
           </a:p>
@@ -1806,7 +1806,7 @@
           <a:p>
             <a:fld id="{28BE630F-C39C-4DB9-8258-0B48CA067079}" type="datetimeFigureOut">
               <a:rPr lang="en-US" smtClean="0"/>
-              <a:t>11/27/2021</a:t>
+              <a:t>11/29/2021</a:t>
             </a:fld>
             <a:endParaRPr lang="en-US"/>
           </a:p>
@@ -2081,7 +2081,7 @@
           <a:p>
             <a:fld id="{28BE630F-C39C-4DB9-8258-0B48CA067079}" type="datetimeFigureOut">
               <a:rPr lang="en-US" smtClean="0"/>
-              <a:t>11/27/2021</a:t>
+              <a:t>11/29/2021</a:t>
             </a:fld>
             <a:endParaRPr lang="en-US"/>
           </a:p>
@@ -2333,7 +2333,7 @@
           <a:p>
             <a:fld id="{28BE630F-C39C-4DB9-8258-0B48CA067079}" type="datetimeFigureOut">
               <a:rPr lang="en-US" smtClean="0"/>
-              <a:t>11/27/2021</a:t>
+              <a:t>11/29/2021</a:t>
             </a:fld>
             <a:endParaRPr lang="en-US"/>
           </a:p>
@@ -2544,7 +2544,7 @@
           <a:p>
             <a:fld id="{28BE630F-C39C-4DB9-8258-0B48CA067079}" type="datetimeFigureOut">
               <a:rPr lang="en-US" smtClean="0"/>
-              <a:t>11/27/2021</a:t>
+              <a:t>11/29/2021</a:t>
             </a:fld>
             <a:endParaRPr lang="en-US"/>
           </a:p>
@@ -3219,7 +3219,7 @@
           <p:nvPr>
             <p:extLst>
               <p:ext uri="{D42A27DB-BD31-4B8C-83A1-F6EECF244321}">
-                <p14:modId xmlns:p14="http://schemas.microsoft.com/office/powerpoint/2010/main" val="2561152601"/>
+                <p14:modId xmlns:p14="http://schemas.microsoft.com/office/powerpoint/2010/main" val="2412823621"/>
               </p:ext>
             </p:extLst>
           </p:nvPr>
@@ -3345,7 +3345,7 @@
                       </a:r>
                       <a:r>
                         <a:rPr lang="en-US" dirty="0"/>
-                        <a:t>: Date</a:t>
+                        <a:t>: string</a:t>
                       </a:r>
                     </a:p>
                   </a:txBody>
@@ -3456,14 +3456,14 @@
           <p:nvPr>
             <p:extLst>
               <p:ext uri="{D42A27DB-BD31-4B8C-83A1-F6EECF244321}">
-                <p14:modId xmlns:p14="http://schemas.microsoft.com/office/powerpoint/2010/main" val="3633302462"/>
+                <p14:modId xmlns:p14="http://schemas.microsoft.com/office/powerpoint/2010/main" val="2539022823"/>
               </p:ext>
             </p:extLst>
           </p:nvPr>
         </p:nvGraphicFramePr>
         <p:xfrm>
           <a:off x="6536764" y="554019"/>
-          <a:ext cx="2741706" cy="5120640"/>
+          <a:ext cx="2741706" cy="4754880"/>
         </p:xfrm>
         <a:graphic>
           <a:graphicData uri="http://schemas.openxmlformats.org/drawingml/2006/table">
@@ -3555,26 +3555,6 @@
                     <a:bodyPr/>
                     <a:lstStyle/>
                     <a:p>
-                      <a:r>
-                        <a:rPr lang="en-US" dirty="0"/>
-                        <a:t>Title: string</a:t>
-                      </a:r>
-                    </a:p>
-                  </a:txBody>
-                  <a:tcPr/>
-                </a:tc>
-                <a:extLst>
-                  <a:ext uri="{0D108BD9-81ED-4DB2-BD59-A6C34878D82A}">
-                    <a16:rowId xmlns:a16="http://schemas.microsoft.com/office/drawing/2014/main" val="1573799995"/>
-                  </a:ext>
-                </a:extLst>
-              </a:tr>
-              <a:tr h="232023">
-                <a:tc>
-                  <a:txBody>
-                    <a:bodyPr/>
-                    <a:lstStyle/>
-                    <a:p>
                       <a:pPr marL="0" marR="0" lvl="0" indent="0" algn="l" defTabSz="914400" rtl="0" eaLnBrk="1" fontAlgn="auto" latinLnBrk="0" hangingPunct="1">
                         <a:lnSpc>
                           <a:spcPct val="100000"/>
@@ -3594,11 +3574,31 @@
                       </a:pPr>
                       <a:r>
                         <a:rPr lang="en-US" dirty="0" err="1"/>
-                        <a:t>Category_name</a:t>
+                        <a:t>Category_id</a:t>
                       </a:r>
                       <a:r>
                         <a:rPr lang="en-US" dirty="0"/>
-                        <a:t>: string</a:t>
+                        <a:t>: INT</a:t>
+                      </a:r>
+                    </a:p>
+                  </a:txBody>
+                  <a:tcPr/>
+                </a:tc>
+                <a:extLst>
+                  <a:ext uri="{0D108BD9-81ED-4DB2-BD59-A6C34878D82A}">
+                    <a16:rowId xmlns:a16="http://schemas.microsoft.com/office/drawing/2014/main" val="1573799995"/>
+                  </a:ext>
+                </a:extLst>
+              </a:tr>
+              <a:tr h="232023">
+                <a:tc>
+                  <a:txBody>
+                    <a:bodyPr/>
+                    <a:lstStyle/>
+                    <a:p>
+                      <a:r>
+                        <a:rPr lang="en-US" dirty="0"/>
+                        <a:t>Title: string</a:t>
                       </a:r>
                     </a:p>
                   </a:txBody>
@@ -3642,12 +3642,9 @@
                     <a:p>
                       <a:r>
                         <a:rPr lang="en-US" dirty="0" err="1"/>
-                        <a:t>Start_date</a:t>
+                        <a:t>Start_date:string</a:t>
                       </a:r>
-                      <a:r>
-                        <a:rPr lang="en-US" dirty="0"/>
-                        <a:t>: date</a:t>
-                      </a:r>
+                      <a:endParaRPr lang="en-US" dirty="0"/>
                     </a:p>
                   </a:txBody>
                   <a:tcPr/>
@@ -3694,7 +3691,7 @@
                       </a:r>
                       <a:r>
                         <a:rPr lang="en-US" dirty="0"/>
-                        <a:t>: date</a:t>
+                        <a:t>: string</a:t>
                       </a:r>
                     </a:p>
                   </a:txBody>
@@ -3703,48 +3700,6 @@
                 <a:extLst>
                   <a:ext uri="{0D108BD9-81ED-4DB2-BD59-A6C34878D82A}">
                     <a16:rowId xmlns:a16="http://schemas.microsoft.com/office/drawing/2014/main" val="3880365565"/>
-                  </a:ext>
-                </a:extLst>
-              </a:tr>
-              <a:tr h="232023">
-                <a:tc>
-                  <a:txBody>
-                    <a:bodyPr/>
-                    <a:lstStyle/>
-                    <a:p>
-                      <a:pPr marL="0" marR="0" lvl="0" indent="0" algn="l" defTabSz="914400" rtl="0" eaLnBrk="1" fontAlgn="auto" latinLnBrk="0" hangingPunct="1">
-                        <a:lnSpc>
-                          <a:spcPct val="100000"/>
-                        </a:lnSpc>
-                        <a:spcBef>
-                          <a:spcPts val="0"/>
-                        </a:spcBef>
-                        <a:spcAft>
-                          <a:spcPts val="0"/>
-                        </a:spcAft>
-                        <a:buClrTx/>
-                        <a:buSzTx/>
-                        <a:buFontTx/>
-                        <a:buNone/>
-                        <a:tabLst/>
-                        <a:defRPr/>
-                      </a:pPr>
-                      <a:r>
-                        <a:rPr lang="en-US" dirty="0"/>
-                        <a:t>Category: </a:t>
-                      </a:r>
-                      <a:r>
-                        <a:rPr lang="en-US" dirty="0" err="1"/>
-                        <a:t>Catagoreis</a:t>
-                      </a:r>
-                      <a:endParaRPr lang="en-US" dirty="0"/>
-                    </a:p>
-                  </a:txBody>
-                  <a:tcPr/>
-                </a:tc>
-                <a:extLst>
-                  <a:ext uri="{0D108BD9-81ED-4DB2-BD59-A6C34878D82A}">
-                    <a16:rowId xmlns:a16="http://schemas.microsoft.com/office/drawing/2014/main" val="2640780047"/>
                   </a:ext>
                 </a:extLst>
               </a:tr>
@@ -3969,7 +3924,7 @@
           <p:nvPr>
             <p:extLst>
               <p:ext uri="{D42A27DB-BD31-4B8C-83A1-F6EECF244321}">
-                <p14:modId xmlns:p14="http://schemas.microsoft.com/office/powerpoint/2010/main" val="1477992484"/>
+                <p14:modId xmlns:p14="http://schemas.microsoft.com/office/powerpoint/2010/main" val="2882081372"/>
               </p:ext>
             </p:extLst>
           </p:nvPr>
@@ -4023,7 +3978,7 @@
                     <a:p>
                       <a:r>
                         <a:rPr lang="en-US" dirty="0" err="1"/>
-                        <a:t>Catagory_id</a:t>
+                        <a:t>Category_id</a:t>
                       </a:r>
                       <a:r>
                         <a:rPr lang="en-US" dirty="0"/>
@@ -4071,12 +4026,9 @@
                     <a:p>
                       <a:r>
                         <a:rPr lang="en-US" dirty="0" err="1"/>
-                        <a:t>Last_name</a:t>
+                        <a:t>Image:text</a:t>
                       </a:r>
-                      <a:r>
-                        <a:rPr lang="en-US" dirty="0"/>
-                        <a:t>: string</a:t>
-                      </a:r>
+                      <a:endParaRPr lang="en-US" dirty="0"/>
                     </a:p>
                   </a:txBody>
                   <a:tcPr/>

--- a/docs/ER-DIAGRAM.pptx
+++ b/docs/ER-DIAGRAM.pptx
@@ -7,6 +7,7 @@
   <p:sldIdLst>
     <p:sldId id="256" r:id="rId2"/>
     <p:sldId id="258" r:id="rId3"/>
+    <p:sldId id="259" r:id="rId4"/>
   </p:sldIdLst>
   <p:sldSz cx="12192000" cy="6858000"/>
   <p:notesSz cx="6858000" cy="9144000"/>
@@ -242,7 +243,7 @@
           <a:p>
             <a:fld id="{28BE630F-C39C-4DB9-8258-0B48CA067079}" type="datetimeFigureOut">
               <a:rPr lang="en-US" smtClean="0"/>
-              <a:t>11/27/2021</a:t>
+              <a:t>12/11/2021</a:t>
             </a:fld>
             <a:endParaRPr lang="en-US"/>
           </a:p>
@@ -410,7 +411,7 @@
           <a:p>
             <a:fld id="{28BE630F-C39C-4DB9-8258-0B48CA067079}" type="datetimeFigureOut">
               <a:rPr lang="en-US" smtClean="0"/>
-              <a:t>11/27/2021</a:t>
+              <a:t>12/11/2021</a:t>
             </a:fld>
             <a:endParaRPr lang="en-US"/>
           </a:p>
@@ -588,7 +589,7 @@
           <a:p>
             <a:fld id="{28BE630F-C39C-4DB9-8258-0B48CA067079}" type="datetimeFigureOut">
               <a:rPr lang="en-US" smtClean="0"/>
-              <a:t>11/27/2021</a:t>
+              <a:t>12/11/2021</a:t>
             </a:fld>
             <a:endParaRPr lang="en-US"/>
           </a:p>
@@ -756,7 +757,7 @@
           <a:p>
             <a:fld id="{28BE630F-C39C-4DB9-8258-0B48CA067079}" type="datetimeFigureOut">
               <a:rPr lang="en-US" smtClean="0"/>
-              <a:t>11/27/2021</a:t>
+              <a:t>12/11/2021</a:t>
             </a:fld>
             <a:endParaRPr lang="en-US"/>
           </a:p>
@@ -1001,7 +1002,7 @@
           <a:p>
             <a:fld id="{28BE630F-C39C-4DB9-8258-0B48CA067079}" type="datetimeFigureOut">
               <a:rPr lang="en-US" smtClean="0"/>
-              <a:t>11/27/2021</a:t>
+              <a:t>12/11/2021</a:t>
             </a:fld>
             <a:endParaRPr lang="en-US"/>
           </a:p>
@@ -1230,7 +1231,7 @@
           <a:p>
             <a:fld id="{28BE630F-C39C-4DB9-8258-0B48CA067079}" type="datetimeFigureOut">
               <a:rPr lang="en-US" smtClean="0"/>
-              <a:t>11/27/2021</a:t>
+              <a:t>12/11/2021</a:t>
             </a:fld>
             <a:endParaRPr lang="en-US"/>
           </a:p>
@@ -1594,7 +1595,7 @@
           <a:p>
             <a:fld id="{28BE630F-C39C-4DB9-8258-0B48CA067079}" type="datetimeFigureOut">
               <a:rPr lang="en-US" smtClean="0"/>
-              <a:t>11/27/2021</a:t>
+              <a:t>12/11/2021</a:t>
             </a:fld>
             <a:endParaRPr lang="en-US"/>
           </a:p>
@@ -1711,7 +1712,7 @@
           <a:p>
             <a:fld id="{28BE630F-C39C-4DB9-8258-0B48CA067079}" type="datetimeFigureOut">
               <a:rPr lang="en-US" smtClean="0"/>
-              <a:t>11/27/2021</a:t>
+              <a:t>12/11/2021</a:t>
             </a:fld>
             <a:endParaRPr lang="en-US"/>
           </a:p>
@@ -1806,7 +1807,7 @@
           <a:p>
             <a:fld id="{28BE630F-C39C-4DB9-8258-0B48CA067079}" type="datetimeFigureOut">
               <a:rPr lang="en-US" smtClean="0"/>
-              <a:t>11/27/2021</a:t>
+              <a:t>12/11/2021</a:t>
             </a:fld>
             <a:endParaRPr lang="en-US"/>
           </a:p>
@@ -2081,7 +2082,7 @@
           <a:p>
             <a:fld id="{28BE630F-C39C-4DB9-8258-0B48CA067079}" type="datetimeFigureOut">
               <a:rPr lang="en-US" smtClean="0"/>
-              <a:t>11/27/2021</a:t>
+              <a:t>12/11/2021</a:t>
             </a:fld>
             <a:endParaRPr lang="en-US"/>
           </a:p>
@@ -2333,7 +2334,7 @@
           <a:p>
             <a:fld id="{28BE630F-C39C-4DB9-8258-0B48CA067079}" type="datetimeFigureOut">
               <a:rPr lang="en-US" smtClean="0"/>
-              <a:t>11/27/2021</a:t>
+              <a:t>12/11/2021</a:t>
             </a:fld>
             <a:endParaRPr lang="en-US"/>
           </a:p>
@@ -2544,7 +2545,7 @@
           <a:p>
             <a:fld id="{28BE630F-C39C-4DB9-8258-0B48CA067079}" type="datetimeFigureOut">
               <a:rPr lang="en-US" smtClean="0"/>
-              <a:t>11/27/2021</a:t>
+              <a:t>12/11/2021</a:t>
             </a:fld>
             <a:endParaRPr lang="en-US"/>
           </a:p>
@@ -4220,6 +4221,355 @@
 </p:sld>
 </file>
 
+<file path=ppt/slides/slide3.xml><?xml version="1.0" encoding="utf-8"?>
+<p:sld xmlns:a="http://schemas.openxmlformats.org/drawingml/2006/main" xmlns:r="http://schemas.openxmlformats.org/officeDocument/2006/relationships" xmlns:p="http://schemas.openxmlformats.org/presentationml/2006/main">
+  <p:cSld>
+    <p:spTree>
+      <p:nvGrpSpPr>
+        <p:cNvPr id="1" name=""/>
+        <p:cNvGrpSpPr/>
+        <p:nvPr/>
+      </p:nvGrpSpPr>
+      <p:grpSpPr>
+        <a:xfrm>
+          <a:off x="0" y="0"/>
+          <a:ext cx="0" cy="0"/>
+          <a:chOff x="0" y="0"/>
+          <a:chExt cx="0" cy="0"/>
+        </a:xfrm>
+      </p:grpSpPr>
+      <p:graphicFrame>
+        <p:nvGraphicFramePr>
+          <p:cNvPr id="4" name="Table 4">
+            <a:extLst>
+              <a:ext uri="{FF2B5EF4-FFF2-40B4-BE49-F238E27FC236}">
+                <a16:creationId xmlns:a16="http://schemas.microsoft.com/office/drawing/2014/main" id="{968E2EB1-847F-4852-AC7A-AB71716BA3CC}"/>
+              </a:ext>
+            </a:extLst>
+          </p:cNvPr>
+          <p:cNvGraphicFramePr>
+            <a:graphicFrameLocks noGrp="1"/>
+          </p:cNvGraphicFramePr>
+          <p:nvPr>
+            <p:extLst>
+              <p:ext uri="{D42A27DB-BD31-4B8C-83A1-F6EECF244321}">
+                <p14:modId xmlns:p14="http://schemas.microsoft.com/office/powerpoint/2010/main" val="3440503474"/>
+              </p:ext>
+            </p:extLst>
+          </p:nvPr>
+        </p:nvGraphicFramePr>
+        <p:xfrm>
+          <a:off x="2397760" y="4802292"/>
+          <a:ext cx="2550160" cy="1068494"/>
+        </p:xfrm>
+        <a:graphic>
+          <a:graphicData uri="http://schemas.openxmlformats.org/drawingml/2006/table">
+            <a:tbl>
+              <a:tblPr firstRow="1" bandRow="1">
+                <a:tableStyleId>{5C22544A-7EE6-4342-B048-85BDC9FD1C3A}</a:tableStyleId>
+              </a:tblPr>
+              <a:tblGrid>
+                <a:gridCol w="2550160">
+                  <a:extLst>
+                    <a:ext uri="{9D8B030D-6E8A-4147-A177-3AD203B41FA5}">
+                      <a16:colId xmlns:a16="http://schemas.microsoft.com/office/drawing/2014/main" val="3655095449"/>
+                    </a:ext>
+                  </a:extLst>
+                </a:gridCol>
+              </a:tblGrid>
+              <a:tr h="534247">
+                <a:tc>
+                  <a:txBody>
+                    <a:bodyPr/>
+                    <a:lstStyle/>
+                    <a:p>
+                      <a:pPr algn="ctr"/>
+                      <a:r>
+                        <a:rPr lang="en-US" dirty="0"/>
+                        <a:t>Users</a:t>
+                      </a:r>
+                    </a:p>
+                  </a:txBody>
+                  <a:tcPr/>
+                </a:tc>
+                <a:extLst>
+                  <a:ext uri="{0D108BD9-81ED-4DB2-BD59-A6C34878D82A}">
+                    <a16:rowId xmlns:a16="http://schemas.microsoft.com/office/drawing/2014/main" val="4209426325"/>
+                  </a:ext>
+                </a:extLst>
+              </a:tr>
+              <a:tr h="534247">
+                <a:tc>
+                  <a:txBody>
+                    <a:bodyPr/>
+                    <a:lstStyle/>
+                    <a:p>
+                      <a:endParaRPr lang="en-US" dirty="0"/>
+                    </a:p>
+                  </a:txBody>
+                  <a:tcPr/>
+                </a:tc>
+                <a:extLst>
+                  <a:ext uri="{0D108BD9-81ED-4DB2-BD59-A6C34878D82A}">
+                    <a16:rowId xmlns:a16="http://schemas.microsoft.com/office/drawing/2014/main" val="3289758750"/>
+                  </a:ext>
+                </a:extLst>
+              </a:tr>
+            </a:tbl>
+          </a:graphicData>
+        </a:graphic>
+      </p:graphicFrame>
+      <p:graphicFrame>
+        <p:nvGraphicFramePr>
+          <p:cNvPr id="5" name="Table 4">
+            <a:extLst>
+              <a:ext uri="{FF2B5EF4-FFF2-40B4-BE49-F238E27FC236}">
+                <a16:creationId xmlns:a16="http://schemas.microsoft.com/office/drawing/2014/main" id="{AE84A699-815A-48B1-87A7-9E8D9875C6FF}"/>
+              </a:ext>
+            </a:extLst>
+          </p:cNvPr>
+          <p:cNvGraphicFramePr>
+            <a:graphicFrameLocks noGrp="1"/>
+          </p:cNvGraphicFramePr>
+          <p:nvPr>
+            <p:extLst>
+              <p:ext uri="{D42A27DB-BD31-4B8C-83A1-F6EECF244321}">
+                <p14:modId xmlns:p14="http://schemas.microsoft.com/office/powerpoint/2010/main" val="274945668"/>
+              </p:ext>
+            </p:extLst>
+          </p:nvPr>
+        </p:nvGraphicFramePr>
+        <p:xfrm>
+          <a:off x="7244080" y="4824306"/>
+          <a:ext cx="2550160" cy="1068494"/>
+        </p:xfrm>
+        <a:graphic>
+          <a:graphicData uri="http://schemas.openxmlformats.org/drawingml/2006/table">
+            <a:tbl>
+              <a:tblPr firstRow="1" bandRow="1">
+                <a:tableStyleId>{5C22544A-7EE6-4342-B048-85BDC9FD1C3A}</a:tableStyleId>
+              </a:tblPr>
+              <a:tblGrid>
+                <a:gridCol w="2550160">
+                  <a:extLst>
+                    <a:ext uri="{9D8B030D-6E8A-4147-A177-3AD203B41FA5}">
+                      <a16:colId xmlns:a16="http://schemas.microsoft.com/office/drawing/2014/main" val="3655095449"/>
+                    </a:ext>
+                  </a:extLst>
+                </a:gridCol>
+              </a:tblGrid>
+              <a:tr h="534247">
+                <a:tc>
+                  <a:txBody>
+                    <a:bodyPr/>
+                    <a:lstStyle/>
+                    <a:p>
+                      <a:pPr algn="ctr"/>
+                      <a:r>
+                        <a:rPr lang="en-US" dirty="0"/>
+                        <a:t>Events</a:t>
+                      </a:r>
+                    </a:p>
+                  </a:txBody>
+                  <a:tcPr/>
+                </a:tc>
+                <a:extLst>
+                  <a:ext uri="{0D108BD9-81ED-4DB2-BD59-A6C34878D82A}">
+                    <a16:rowId xmlns:a16="http://schemas.microsoft.com/office/drawing/2014/main" val="4209426325"/>
+                  </a:ext>
+                </a:extLst>
+              </a:tr>
+              <a:tr h="534247">
+                <a:tc>
+                  <a:txBody>
+                    <a:bodyPr/>
+                    <a:lstStyle/>
+                    <a:p>
+                      <a:endParaRPr lang="en-US" dirty="0"/>
+                    </a:p>
+                  </a:txBody>
+                  <a:tcPr/>
+                </a:tc>
+                <a:extLst>
+                  <a:ext uri="{0D108BD9-81ED-4DB2-BD59-A6C34878D82A}">
+                    <a16:rowId xmlns:a16="http://schemas.microsoft.com/office/drawing/2014/main" val="3289758750"/>
+                  </a:ext>
+                </a:extLst>
+              </a:tr>
+            </a:tbl>
+          </a:graphicData>
+        </a:graphic>
+      </p:graphicFrame>
+      <p:graphicFrame>
+        <p:nvGraphicFramePr>
+          <p:cNvPr id="6" name="Table 4">
+            <a:extLst>
+              <a:ext uri="{FF2B5EF4-FFF2-40B4-BE49-F238E27FC236}">
+                <a16:creationId xmlns:a16="http://schemas.microsoft.com/office/drawing/2014/main" id="{B4B81817-45C7-489E-88EF-262C6F2D255F}"/>
+              </a:ext>
+            </a:extLst>
+          </p:cNvPr>
+          <p:cNvGraphicFramePr>
+            <a:graphicFrameLocks noGrp="1"/>
+          </p:cNvGraphicFramePr>
+          <p:nvPr>
+            <p:extLst>
+              <p:ext uri="{D42A27DB-BD31-4B8C-83A1-F6EECF244321}">
+                <p14:modId xmlns:p14="http://schemas.microsoft.com/office/powerpoint/2010/main" val="3464067881"/>
+              </p:ext>
+            </p:extLst>
+          </p:nvPr>
+        </p:nvGraphicFramePr>
+        <p:xfrm>
+          <a:off x="4820920" y="1835572"/>
+          <a:ext cx="2550160" cy="1068494"/>
+        </p:xfrm>
+        <a:graphic>
+          <a:graphicData uri="http://schemas.openxmlformats.org/drawingml/2006/table">
+            <a:tbl>
+              <a:tblPr firstRow="1" bandRow="1">
+                <a:tableStyleId>{5C22544A-7EE6-4342-B048-85BDC9FD1C3A}</a:tableStyleId>
+              </a:tblPr>
+              <a:tblGrid>
+                <a:gridCol w="2550160">
+                  <a:extLst>
+                    <a:ext uri="{9D8B030D-6E8A-4147-A177-3AD203B41FA5}">
+                      <a16:colId xmlns:a16="http://schemas.microsoft.com/office/drawing/2014/main" val="3655095449"/>
+                    </a:ext>
+                  </a:extLst>
+                </a:gridCol>
+              </a:tblGrid>
+              <a:tr h="534247">
+                <a:tc>
+                  <a:txBody>
+                    <a:bodyPr/>
+                    <a:lstStyle/>
+                    <a:p>
+                      <a:pPr algn="ctr"/>
+                      <a:r>
+                        <a:rPr lang="en-US" dirty="0"/>
+                        <a:t>Join</a:t>
+                      </a:r>
+                    </a:p>
+                  </a:txBody>
+                  <a:tcPr/>
+                </a:tc>
+                <a:extLst>
+                  <a:ext uri="{0D108BD9-81ED-4DB2-BD59-A6C34878D82A}">
+                    <a16:rowId xmlns:a16="http://schemas.microsoft.com/office/drawing/2014/main" val="4209426325"/>
+                  </a:ext>
+                </a:extLst>
+              </a:tr>
+              <a:tr h="534247">
+                <a:tc>
+                  <a:txBody>
+                    <a:bodyPr/>
+                    <a:lstStyle/>
+                    <a:p>
+                      <a:r>
+                        <a:rPr lang="en-US"/>
+                        <a:t>Id</a:t>
+                      </a:r>
+                      <a:endParaRPr lang="en-US" dirty="0"/>
+                    </a:p>
+                  </a:txBody>
+                  <a:tcPr/>
+                </a:tc>
+                <a:extLst>
+                  <a:ext uri="{0D108BD9-81ED-4DB2-BD59-A6C34878D82A}">
+                    <a16:rowId xmlns:a16="http://schemas.microsoft.com/office/drawing/2014/main" val="3289758750"/>
+                  </a:ext>
+                </a:extLst>
+              </a:tr>
+            </a:tbl>
+          </a:graphicData>
+        </a:graphic>
+      </p:graphicFrame>
+      <p:cxnSp>
+        <p:nvCxnSpPr>
+          <p:cNvPr id="8" name="Straight Connector 7">
+            <a:extLst>
+              <a:ext uri="{FF2B5EF4-FFF2-40B4-BE49-F238E27FC236}">
+                <a16:creationId xmlns:a16="http://schemas.microsoft.com/office/drawing/2014/main" id="{D27EC240-5E48-428E-B34E-3ED01D290666}"/>
+              </a:ext>
+            </a:extLst>
+          </p:cNvPr>
+          <p:cNvCxnSpPr/>
+          <p:nvPr/>
+        </p:nvCxnSpPr>
+        <p:spPr>
+          <a:xfrm flipV="1">
+            <a:off x="3672840" y="2814320"/>
+            <a:ext cx="1148080" cy="1987972"/>
+          </a:xfrm>
+          <a:prstGeom prst="line">
+            <a:avLst/>
+          </a:prstGeom>
+        </p:spPr>
+        <p:style>
+          <a:lnRef idx="1">
+            <a:schemeClr val="dk1"/>
+          </a:lnRef>
+          <a:fillRef idx="0">
+            <a:schemeClr val="dk1"/>
+          </a:fillRef>
+          <a:effectRef idx="0">
+            <a:schemeClr val="dk1"/>
+          </a:effectRef>
+          <a:fontRef idx="minor">
+            <a:schemeClr val="tx1"/>
+          </a:fontRef>
+        </p:style>
+      </p:cxnSp>
+      <p:cxnSp>
+        <p:nvCxnSpPr>
+          <p:cNvPr id="10" name="Straight Connector 9">
+            <a:extLst>
+              <a:ext uri="{FF2B5EF4-FFF2-40B4-BE49-F238E27FC236}">
+                <a16:creationId xmlns:a16="http://schemas.microsoft.com/office/drawing/2014/main" id="{1E51D58F-0044-46AF-9409-7A4B5CC98F5C}"/>
+              </a:ext>
+            </a:extLst>
+          </p:cNvPr>
+          <p:cNvCxnSpPr/>
+          <p:nvPr/>
+        </p:nvCxnSpPr>
+        <p:spPr>
+          <a:xfrm flipH="1" flipV="1">
+            <a:off x="7371080" y="2722880"/>
+            <a:ext cx="1407160" cy="2101426"/>
+          </a:xfrm>
+          <a:prstGeom prst="line">
+            <a:avLst/>
+          </a:prstGeom>
+        </p:spPr>
+        <p:style>
+          <a:lnRef idx="1">
+            <a:schemeClr val="dk1"/>
+          </a:lnRef>
+          <a:fillRef idx="0">
+            <a:schemeClr val="dk1"/>
+          </a:fillRef>
+          <a:effectRef idx="0">
+            <a:schemeClr val="dk1"/>
+          </a:effectRef>
+          <a:fontRef idx="minor">
+            <a:schemeClr val="tx1"/>
+          </a:fontRef>
+        </p:style>
+      </p:cxnSp>
+    </p:spTree>
+    <p:extLst>
+      <p:ext uri="{BB962C8B-B14F-4D97-AF65-F5344CB8AC3E}">
+        <p14:creationId xmlns:p14="http://schemas.microsoft.com/office/powerpoint/2010/main" val="904374054"/>
+      </p:ext>
+    </p:extLst>
+  </p:cSld>
+  <p:clrMapOvr>
+    <a:masterClrMapping/>
+  </p:clrMapOvr>
+</p:sld>
+</file>
+
 <file path=ppt/theme/theme1.xml><?xml version="1.0" encoding="utf-8"?>
 <a:theme xmlns:a="http://schemas.openxmlformats.org/drawingml/2006/main" name="Office Theme">
   <a:themeElements>
